--- a/img/illustration/clustering-distance.pptx
+++ b/img/illustration/clustering-distance.pptx
@@ -10,6 +10,9 @@
     <p:sldId id="258" r:id="rId5"/>
     <p:sldId id="259" r:id="rId6"/>
     <p:sldId id="260" r:id="rId7"/>
+    <p:sldId id="261" r:id="rId8"/>
+    <p:sldId id="262" r:id="rId9"/>
+    <p:sldId id="263" r:id="rId10"/>
   </p:sldIdLst>
   <p:sldSz cx="12192000" cy="6858000"/>
   <p:notesSz cx="6858000" cy="12192000"/>
@@ -3624,7 +3627,7 @@
               <p:nvPr isPhoto="0" userDrawn="0"/>
             </p:nvCxnSpPr>
             <p:spPr bwMode="auto">
-              <a:xfrm rot="5399977" flipH="0" flipV="1">
+              <a:xfrm rot="5399976" flipH="0" flipV="1">
                 <a:off x="1381234" y="112246"/>
                 <a:ext cx="342882" cy="1043145"/>
               </a:xfrm>
@@ -3923,7 +3926,7 @@
           <p:nvPr isPhoto="0" userDrawn="0"/>
         </p:nvCxnSpPr>
         <p:spPr bwMode="auto">
-          <a:xfrm rot="5399977" flipH="0" flipV="0">
+          <a:xfrm rot="5399976" flipH="0" flipV="0">
             <a:off x="2987946" y="2485177"/>
             <a:ext cx="922221" cy="213266"/>
           </a:xfrm>
@@ -4019,7 +4022,7 @@
           <p:nvPr isPhoto="0" userDrawn="0"/>
         </p:nvCxnSpPr>
         <p:spPr bwMode="auto">
-          <a:xfrm rot="5399977" flipH="0" flipV="0">
+          <a:xfrm rot="5399976" flipH="0" flipV="0">
             <a:off x="4910236" y="2345261"/>
             <a:ext cx="941942" cy="473378"/>
           </a:xfrm>
@@ -4115,7 +4118,7 @@
           <p:nvPr isPhoto="0" userDrawn="0"/>
         </p:nvCxnSpPr>
         <p:spPr bwMode="auto">
-          <a:xfrm rot="5399977" flipH="0" flipV="0">
+          <a:xfrm rot="5399976" flipH="0" flipV="0">
             <a:off x="6792378" y="2284938"/>
             <a:ext cx="922221" cy="613748"/>
           </a:xfrm>
@@ -4608,7 +4611,7 @@
         </p:nvSpPr>
         <p:spPr bwMode="auto">
           <a:xfrm flipH="0" flipV="0">
-            <a:off x="7158565" y="3273640"/>
+            <a:off x="7158565" y="3273639"/>
             <a:ext cx="231188" cy="231188"/>
           </a:xfrm>
           <a:prstGeom prst="ellipse">
@@ -5706,7 +5709,7 @@
         </p:nvSpPr>
         <p:spPr bwMode="auto">
           <a:xfrm flipH="0" flipV="0">
-            <a:off x="7158565" y="3273640"/>
+            <a:off x="7158565" y="3273639"/>
             <a:ext cx="231188" cy="231188"/>
           </a:xfrm>
           <a:prstGeom prst="ellipse">
@@ -6669,7 +6672,7 @@
         </p:nvSpPr>
         <p:spPr bwMode="auto">
           <a:xfrm flipH="0" flipV="0">
-            <a:off x="7158565" y="3273640"/>
+            <a:off x="7158565" y="3273639"/>
             <a:ext cx="231188" cy="231188"/>
           </a:xfrm>
           <a:prstGeom prst="ellipse">
@@ -7215,7 +7218,7 @@
           <p:nvPr isPhoto="0" userDrawn="0"/>
         </p:nvSpPr>
         <p:spPr bwMode="auto">
-          <a:xfrm rot="2548882" flipH="0" flipV="0">
+          <a:xfrm rot="2548881" flipH="0" flipV="0">
             <a:off x="3356973" y="3274078"/>
             <a:ext cx="252698" cy="252698"/>
           </a:xfrm>
@@ -7257,7 +7260,7 @@
           <p:nvPr isPhoto="0" userDrawn="0"/>
         </p:nvSpPr>
         <p:spPr bwMode="auto">
-          <a:xfrm rot="2548882" flipH="0" flipV="0">
+          <a:xfrm rot="2548881" flipH="0" flipV="0">
             <a:off x="7441917" y="3725263"/>
             <a:ext cx="252698" cy="252698"/>
           </a:xfrm>
@@ -7833,7 +7836,7 @@
           <p:nvPr isPhoto="0" userDrawn="0"/>
         </p:nvCxnSpPr>
         <p:spPr bwMode="auto">
-          <a:xfrm rot="5399978" flipH="0" flipV="1">
+          <a:xfrm rot="5399977" flipH="0" flipV="1">
             <a:off x="4906024" y="1609724"/>
             <a:ext cx="717549" cy="5143499"/>
           </a:xfrm>
@@ -7878,7 +7881,7 @@
           <p:nvPr isPhoto="0" userDrawn="0"/>
         </p:nvCxnSpPr>
         <p:spPr bwMode="auto">
-          <a:xfrm rot="5399978" flipH="1" flipV="1">
+          <a:xfrm rot="5399977" flipH="1" flipV="1">
             <a:off x="4528199" y="1822449"/>
             <a:ext cx="101599" cy="3809999"/>
           </a:xfrm>
@@ -7923,7 +7926,7 @@
           <p:nvPr isPhoto="0" userDrawn="0"/>
         </p:nvCxnSpPr>
         <p:spPr bwMode="auto">
-          <a:xfrm rot="5399978" flipH="1" flipV="1">
+          <a:xfrm rot="5399977" flipH="1" flipV="1">
             <a:off x="4969524" y="1406524"/>
             <a:ext cx="1060449" cy="4673599"/>
           </a:xfrm>
@@ -7968,7 +7971,7 @@
           <p:nvPr isPhoto="0" userDrawn="0"/>
         </p:nvCxnSpPr>
         <p:spPr bwMode="auto">
-          <a:xfrm rot="5399978" flipH="0" flipV="1">
+          <a:xfrm rot="5399977" flipH="0" flipV="1">
             <a:off x="4356748" y="1549400"/>
             <a:ext cx="1181099" cy="3073397"/>
           </a:xfrm>
@@ -8013,7 +8016,7 @@
           <p:nvPr isPhoto="0" userDrawn="0"/>
         </p:nvCxnSpPr>
         <p:spPr bwMode="auto">
-          <a:xfrm rot="5399978" flipH="0" flipV="1">
+          <a:xfrm rot="5399977" flipH="0" flipV="1">
             <a:off x="5026673" y="2219325"/>
             <a:ext cx="647699" cy="2266947"/>
           </a:xfrm>
@@ -8058,7 +8061,7 @@
           <p:nvPr isPhoto="0" userDrawn="0"/>
         </p:nvCxnSpPr>
         <p:spPr bwMode="auto">
-          <a:xfrm rot="5399978" flipH="0" flipV="1">
+          <a:xfrm rot="5399977" flipH="0" flipV="1">
             <a:off x="5953774" y="1292224"/>
             <a:ext cx="127000" cy="3600449"/>
           </a:xfrm>
@@ -8103,7 +8106,7 @@
           <p:nvPr isPhoto="0" userDrawn="0"/>
         </p:nvCxnSpPr>
         <p:spPr bwMode="auto">
-          <a:xfrm rot="5399978" flipH="0" flipV="1">
+          <a:xfrm rot="5399977" flipH="0" flipV="1">
             <a:off x="5868048" y="1377948"/>
             <a:ext cx="1041401" cy="4343399"/>
           </a:xfrm>
@@ -8148,7 +8151,7 @@
           <p:nvPr isPhoto="0" userDrawn="0"/>
         </p:nvCxnSpPr>
         <p:spPr bwMode="auto">
-          <a:xfrm rot="5399978" flipH="0" flipV="1">
+          <a:xfrm rot="5399977" flipH="0" flipV="1">
             <a:off x="5328298" y="1917698"/>
             <a:ext cx="1409701" cy="3632199"/>
           </a:xfrm>
@@ -8193,9 +8196,9 @@
           <p:nvPr isPhoto="0" userDrawn="0"/>
         </p:nvCxnSpPr>
         <p:spPr bwMode="auto">
-          <a:xfrm rot="5399978" flipH="0" flipV="1">
+          <a:xfrm rot="5399977" flipH="0" flipV="1">
             <a:off x="5312424" y="593724"/>
-            <a:ext cx="590550" cy="4394199"/>
+            <a:ext cx="590549" cy="4394199"/>
           </a:xfrm>
           <a:prstGeom prst="line">
             <a:avLst/>
@@ -8330,7 +8333,7 @@
           <p:nvPr isPhoto="0" userDrawn="0"/>
         </p:nvCxnSpPr>
         <p:spPr bwMode="auto">
-          <a:xfrm rot="5399978" flipH="0" flipV="1">
+          <a:xfrm rot="5399977" flipH="0" flipV="1">
             <a:off x="5436249" y="2139950"/>
             <a:ext cx="165099" cy="4635498"/>
           </a:xfrm>
@@ -8375,7 +8378,7 @@
           <p:nvPr isPhoto="0" userDrawn="0"/>
         </p:nvCxnSpPr>
         <p:spPr bwMode="auto">
-          <a:xfrm rot="5399978" flipH="1" flipV="1">
+          <a:xfrm rot="5399977" flipH="1" flipV="1">
             <a:off x="4550424" y="2339973"/>
             <a:ext cx="546098" cy="3321050"/>
           </a:xfrm>
@@ -8420,7 +8423,7 @@
           <p:nvPr isPhoto="0" userDrawn="0"/>
         </p:nvCxnSpPr>
         <p:spPr bwMode="auto">
-          <a:xfrm rot="5399978" flipH="1" flipV="1">
+          <a:xfrm rot="5399977" flipH="1" flipV="1">
             <a:off x="5772799" y="1600199"/>
             <a:ext cx="203199" cy="5346700"/>
           </a:xfrm>
@@ -8456,6 +8459,4978 @@
           </a:fontRef>
         </p:style>
       </p:cxnSp>
+    </p:spTree>
+  </p:cSld>
+  <p:clrMapOvr>
+    <a:masterClrMapping/>
+  </p:clrMapOvr>
+  <mc:AlternateContent xmlns:mc="http://schemas.openxmlformats.org/markup-compatibility/2006">
+    <mc:Choice xmlns:p14="http://schemas.microsoft.com/office/powerpoint/2010/main" Requires="p14">
+      <p:transition p14:dur="2000" advClick="1"/>
+    </mc:Choice>
+    <mc:Fallback>
+      <p:transition advClick="1"/>
+    </mc:Fallback>
+  </mc:AlternateContent>
+</p:sld>
+</file>
+
+<file path=ppt/slides/slide6.xml><?xml version="1.0" encoding="utf-8"?>
+<p:sld xmlns:a="http://schemas.openxmlformats.org/drawingml/2006/main" xmlns:r="http://schemas.openxmlformats.org/officeDocument/2006/relationships" xmlns:p="http://schemas.openxmlformats.org/presentationml/2006/main" xmlns:m="http://schemas.openxmlformats.org/officeDocument/2006/math" xmlns:w="http://schemas.openxmlformats.org/wordprocessingml/2006/main" showMasterPhAnim="0" show="1">
+  <p:cSld name="">
+    <p:bg>
+      <p:bgPr shadeToTitle="0">
+        <a:solidFill>
+          <a:srgbClr val="282A36"/>
+        </a:solidFill>
+      </p:bgPr>
+    </p:bg>
+    <p:spTree>
+      <p:nvGrpSpPr>
+        <p:cNvPr id="1" name="" hidden="0"/>
+        <p:cNvGrpSpPr/>
+        <p:nvPr isPhoto="0" userDrawn="0"/>
+      </p:nvGrpSpPr>
+      <p:grpSpPr bwMode="auto">
+        <a:xfrm>
+          <a:off x="0" y="0"/>
+          <a:ext cx="0" cy="0"/>
+          <a:chOff x="0" y="0"/>
+          <a:chExt cx="0" cy="0"/>
+        </a:xfrm>
+      </p:grpSpPr>
+      <p:cxnSp>
+        <p:nvCxnSpPr>
+          <p:cNvPr id="4" name="" hidden="0"/>
+          <p:cNvCxnSpPr>
+            <a:cxnSpLocks/>
+          </p:cNvCxnSpPr>
+          <p:nvPr isPhoto="0" userDrawn="0"/>
+        </p:nvCxnSpPr>
+        <p:spPr bwMode="auto">
+          <a:xfrm rot="0" flipH="0" flipV="0">
+            <a:off x="4231708" y="2386012"/>
+            <a:ext cx="576261" cy="252411"/>
+          </a:xfrm>
+          <a:prstGeom prst="line">
+            <a:avLst/>
+          </a:prstGeom>
+          <a:ln w="28575" cap="flat" cmpd="sng" algn="ctr">
+            <a:solidFill>
+              <a:srgbClr val="FFD564"/>
+            </a:solidFill>
+            <a:prstDash val="sysDash"/>
+            <a:miter/>
+          </a:ln>
+        </p:spPr>
+        <p:style>
+          <a:lnRef idx="1">
+            <a:schemeClr val="accent1">
+              <a:shade val="50000"/>
+            </a:schemeClr>
+          </a:lnRef>
+          <a:fillRef idx="0">
+            <a:schemeClr val="accent1"/>
+          </a:fillRef>
+          <a:effectRef idx="0">
+            <a:schemeClr val="accent1"/>
+          </a:effectRef>
+          <a:fontRef idx="minor">
+            <a:schemeClr val="tx1"/>
+          </a:fontRef>
+        </p:style>
+      </p:cxnSp>
+      <p:cxnSp>
+        <p:nvCxnSpPr>
+          <p:cNvPr id="5" name="" hidden="0"/>
+          <p:cNvCxnSpPr>
+            <a:cxnSpLocks/>
+          </p:cNvCxnSpPr>
+          <p:nvPr isPhoto="0" userDrawn="0"/>
+        </p:nvCxnSpPr>
+        <p:spPr bwMode="auto">
+          <a:xfrm rot="0" flipH="0" flipV="0">
+            <a:off x="3805723" y="2033587"/>
+            <a:ext cx="1004887" cy="604837"/>
+          </a:xfrm>
+          <a:prstGeom prst="line">
+            <a:avLst/>
+          </a:prstGeom>
+          <a:ln w="28575" cap="flat" cmpd="sng" algn="ctr">
+            <a:solidFill>
+              <a:srgbClr val="FFD564"/>
+            </a:solidFill>
+            <a:prstDash val="sysDash"/>
+            <a:miter/>
+          </a:ln>
+        </p:spPr>
+        <p:style>
+          <a:lnRef idx="1">
+            <a:schemeClr val="accent1">
+              <a:shade val="50000"/>
+            </a:schemeClr>
+          </a:lnRef>
+          <a:fillRef idx="0">
+            <a:schemeClr val="accent1"/>
+          </a:fillRef>
+          <a:effectRef idx="0">
+            <a:schemeClr val="accent1"/>
+          </a:effectRef>
+          <a:fontRef idx="minor">
+            <a:schemeClr val="tx1"/>
+          </a:fontRef>
+        </p:style>
+      </p:cxnSp>
+      <p:cxnSp>
+        <p:nvCxnSpPr>
+          <p:cNvPr id="6" name="" hidden="0"/>
+          <p:cNvCxnSpPr>
+            <a:cxnSpLocks/>
+          </p:cNvCxnSpPr>
+          <p:nvPr isPhoto="0" userDrawn="0"/>
+        </p:nvCxnSpPr>
+        <p:spPr bwMode="auto">
+          <a:xfrm rot="0" flipH="0" flipV="0">
+            <a:off x="3800962" y="2424112"/>
+            <a:ext cx="1009649" cy="214311"/>
+          </a:xfrm>
+          <a:prstGeom prst="line">
+            <a:avLst/>
+          </a:prstGeom>
+          <a:ln w="28575" cap="flat" cmpd="sng" algn="ctr">
+            <a:solidFill>
+              <a:srgbClr val="FFD564"/>
+            </a:solidFill>
+            <a:prstDash val="sysDash"/>
+            <a:miter/>
+          </a:ln>
+        </p:spPr>
+        <p:style>
+          <a:lnRef idx="1">
+            <a:schemeClr val="accent1">
+              <a:shade val="50000"/>
+            </a:schemeClr>
+          </a:lnRef>
+          <a:fillRef idx="0">
+            <a:schemeClr val="accent1"/>
+          </a:fillRef>
+          <a:effectRef idx="0">
+            <a:schemeClr val="accent1"/>
+          </a:effectRef>
+          <a:fontRef idx="minor">
+            <a:schemeClr val="tx1"/>
+          </a:fontRef>
+        </p:style>
+      </p:cxnSp>
+      <p:cxnSp>
+        <p:nvCxnSpPr>
+          <p:cNvPr id="7" name="" hidden="0"/>
+          <p:cNvCxnSpPr>
+            <a:cxnSpLocks/>
+          </p:cNvCxnSpPr>
+          <p:nvPr isPhoto="0" userDrawn="0"/>
+        </p:nvCxnSpPr>
+        <p:spPr bwMode="auto">
+          <a:xfrm rot="0" flipH="0" flipV="0">
+            <a:off x="3319949" y="2495549"/>
+            <a:ext cx="1490661" cy="142873"/>
+          </a:xfrm>
+          <a:prstGeom prst="line">
+            <a:avLst/>
+          </a:prstGeom>
+          <a:ln w="28575" cap="flat" cmpd="sng" algn="ctr">
+            <a:solidFill>
+              <a:srgbClr val="FFD564"/>
+            </a:solidFill>
+            <a:prstDash val="sysDash"/>
+            <a:miter/>
+          </a:ln>
+        </p:spPr>
+        <p:style>
+          <a:lnRef idx="1">
+            <a:schemeClr val="accent1">
+              <a:shade val="50000"/>
+            </a:schemeClr>
+          </a:lnRef>
+          <a:fillRef idx="0">
+            <a:schemeClr val="accent1"/>
+          </a:fillRef>
+          <a:effectRef idx="0">
+            <a:schemeClr val="accent1"/>
+          </a:effectRef>
+          <a:fontRef idx="minor">
+            <a:schemeClr val="tx1"/>
+          </a:fontRef>
+        </p:style>
+      </p:cxnSp>
+      <p:cxnSp>
+        <p:nvCxnSpPr>
+          <p:cNvPr id="8" name="" hidden="0"/>
+          <p:cNvCxnSpPr>
+            <a:cxnSpLocks/>
+          </p:cNvCxnSpPr>
+          <p:nvPr isPhoto="0" userDrawn="0"/>
+        </p:nvCxnSpPr>
+        <p:spPr bwMode="auto">
+          <a:xfrm rot="0" flipH="0" flipV="1">
+            <a:off x="4058137" y="2638423"/>
+            <a:ext cx="752474" cy="309563"/>
+          </a:xfrm>
+          <a:prstGeom prst="line">
+            <a:avLst/>
+          </a:prstGeom>
+          <a:ln w="28575" cap="flat" cmpd="sng" algn="ctr">
+            <a:solidFill>
+              <a:srgbClr val="FFD564"/>
+            </a:solidFill>
+            <a:prstDash val="sysDash"/>
+            <a:miter/>
+          </a:ln>
+        </p:spPr>
+        <p:style>
+          <a:lnRef idx="1">
+            <a:schemeClr val="accent1">
+              <a:shade val="50000"/>
+            </a:schemeClr>
+          </a:lnRef>
+          <a:fillRef idx="0">
+            <a:schemeClr val="accent1"/>
+          </a:fillRef>
+          <a:effectRef idx="0">
+            <a:schemeClr val="accent1"/>
+          </a:effectRef>
+          <a:fontRef idx="minor">
+            <a:schemeClr val="tx1"/>
+          </a:fontRef>
+        </p:style>
+      </p:cxnSp>
+      <p:cxnSp>
+        <p:nvCxnSpPr>
+          <p:cNvPr id="9" name="" hidden="0"/>
+          <p:cNvCxnSpPr>
+            <a:cxnSpLocks/>
+          </p:cNvCxnSpPr>
+          <p:nvPr isPhoto="0" userDrawn="0"/>
+        </p:nvCxnSpPr>
+        <p:spPr bwMode="auto">
+          <a:xfrm rot="0" flipH="0" flipV="1">
+            <a:off x="3615224" y="2638423"/>
+            <a:ext cx="1195385" cy="328613"/>
+          </a:xfrm>
+          <a:prstGeom prst="line">
+            <a:avLst/>
+          </a:prstGeom>
+          <a:ln w="28575" cap="flat" cmpd="sng" algn="ctr">
+            <a:solidFill>
+              <a:srgbClr val="FFD564"/>
+            </a:solidFill>
+            <a:prstDash val="sysDash"/>
+            <a:miter/>
+          </a:ln>
+        </p:spPr>
+        <p:style>
+          <a:lnRef idx="1">
+            <a:schemeClr val="accent1">
+              <a:shade val="50000"/>
+            </a:schemeClr>
+          </a:lnRef>
+          <a:fillRef idx="0">
+            <a:schemeClr val="accent1"/>
+          </a:fillRef>
+          <a:effectRef idx="0">
+            <a:schemeClr val="accent1"/>
+          </a:effectRef>
+          <a:fontRef idx="minor">
+            <a:schemeClr val="tx1"/>
+          </a:fontRef>
+        </p:style>
+      </p:cxnSp>
+      <p:cxnSp>
+        <p:nvCxnSpPr>
+          <p:cNvPr id="10" name="" hidden="0"/>
+          <p:cNvCxnSpPr>
+            <a:cxnSpLocks/>
+          </p:cNvCxnSpPr>
+          <p:nvPr isPhoto="0" userDrawn="0"/>
+        </p:nvCxnSpPr>
+        <p:spPr bwMode="auto">
+          <a:xfrm rot="0" flipH="1" flipV="0">
+            <a:off x="4810611" y="2343150"/>
+            <a:ext cx="547687" cy="295273"/>
+          </a:xfrm>
+          <a:prstGeom prst="line">
+            <a:avLst/>
+          </a:prstGeom>
+          <a:ln w="28575" cap="flat" cmpd="sng" algn="ctr">
+            <a:solidFill>
+              <a:srgbClr val="FFD564"/>
+            </a:solidFill>
+            <a:prstDash val="sysDash"/>
+            <a:miter/>
+          </a:ln>
+        </p:spPr>
+        <p:style>
+          <a:lnRef idx="1">
+            <a:schemeClr val="accent1">
+              <a:shade val="50000"/>
+            </a:schemeClr>
+          </a:lnRef>
+          <a:fillRef idx="0">
+            <a:schemeClr val="accent1"/>
+          </a:fillRef>
+          <a:effectRef idx="0">
+            <a:schemeClr val="accent1"/>
+          </a:effectRef>
+          <a:fontRef idx="minor">
+            <a:schemeClr val="tx1"/>
+          </a:fontRef>
+        </p:style>
+      </p:cxnSp>
+      <p:cxnSp>
+        <p:nvCxnSpPr>
+          <p:cNvPr id="11" name="" hidden="0"/>
+          <p:cNvCxnSpPr>
+            <a:cxnSpLocks/>
+          </p:cNvCxnSpPr>
+          <p:nvPr isPhoto="0" userDrawn="0"/>
+        </p:nvCxnSpPr>
+        <p:spPr bwMode="auto">
+          <a:xfrm rot="0" flipH="1" flipV="1">
+            <a:off x="4810611" y="2638423"/>
+            <a:ext cx="533400" cy="228600"/>
+          </a:xfrm>
+          <a:prstGeom prst="line">
+            <a:avLst/>
+          </a:prstGeom>
+          <a:ln w="28575" cap="flat" cmpd="sng" algn="ctr">
+            <a:solidFill>
+              <a:srgbClr val="FFD564"/>
+            </a:solidFill>
+            <a:prstDash val="sysDash"/>
+            <a:miter/>
+          </a:ln>
+        </p:spPr>
+        <p:style>
+          <a:lnRef idx="1">
+            <a:schemeClr val="accent1">
+              <a:shade val="50000"/>
+            </a:schemeClr>
+          </a:lnRef>
+          <a:fillRef idx="0">
+            <a:schemeClr val="accent1"/>
+          </a:fillRef>
+          <a:effectRef idx="0">
+            <a:schemeClr val="accent1"/>
+          </a:effectRef>
+          <a:fontRef idx="minor">
+            <a:schemeClr val="tx1"/>
+          </a:fontRef>
+        </p:style>
+      </p:cxnSp>
+      <p:cxnSp>
+        <p:nvCxnSpPr>
+          <p:cNvPr id="12" name="" hidden="0"/>
+          <p:cNvCxnSpPr>
+            <a:cxnSpLocks/>
+          </p:cNvCxnSpPr>
+          <p:nvPr isPhoto="0" userDrawn="0"/>
+        </p:nvCxnSpPr>
+        <p:spPr bwMode="auto">
+          <a:xfrm rot="0" flipH="1" flipV="0">
+            <a:off x="4810611" y="2586037"/>
+            <a:ext cx="1028700" cy="52386"/>
+          </a:xfrm>
+          <a:prstGeom prst="line">
+            <a:avLst/>
+          </a:prstGeom>
+          <a:ln w="28575" cap="flat" cmpd="sng" algn="ctr">
+            <a:solidFill>
+              <a:srgbClr val="FFD564"/>
+            </a:solidFill>
+            <a:prstDash val="sysDash"/>
+            <a:miter/>
+          </a:ln>
+        </p:spPr>
+        <p:style>
+          <a:lnRef idx="1">
+            <a:schemeClr val="accent1">
+              <a:shade val="50000"/>
+            </a:schemeClr>
+          </a:lnRef>
+          <a:fillRef idx="0">
+            <a:schemeClr val="accent1"/>
+          </a:fillRef>
+          <a:effectRef idx="0">
+            <a:schemeClr val="accent1"/>
+          </a:effectRef>
+          <a:fontRef idx="minor">
+            <a:schemeClr val="tx1"/>
+          </a:fontRef>
+        </p:style>
+      </p:cxnSp>
+      <p:cxnSp>
+        <p:nvCxnSpPr>
+          <p:cNvPr id="13" name="" hidden="0"/>
+          <p:cNvCxnSpPr>
+            <a:cxnSpLocks/>
+          </p:cNvCxnSpPr>
+          <p:nvPr isPhoto="0" userDrawn="0"/>
+        </p:nvCxnSpPr>
+        <p:spPr bwMode="auto">
+          <a:xfrm rot="0" flipH="1" flipV="1">
+            <a:off x="4810611" y="2638423"/>
+            <a:ext cx="1638300" cy="114300"/>
+          </a:xfrm>
+          <a:prstGeom prst="line">
+            <a:avLst/>
+          </a:prstGeom>
+          <a:ln w="28575" cap="flat" cmpd="sng" algn="ctr">
+            <a:solidFill>
+              <a:srgbClr val="FFD564"/>
+            </a:solidFill>
+            <a:prstDash val="sysDash"/>
+            <a:miter/>
+          </a:ln>
+        </p:spPr>
+        <p:style>
+          <a:lnRef idx="1">
+            <a:schemeClr val="accent1">
+              <a:shade val="50000"/>
+            </a:schemeClr>
+          </a:lnRef>
+          <a:fillRef idx="0">
+            <a:schemeClr val="accent1"/>
+          </a:fillRef>
+          <a:effectRef idx="0">
+            <a:schemeClr val="accent1"/>
+          </a:effectRef>
+          <a:fontRef idx="minor">
+            <a:schemeClr val="tx1"/>
+          </a:fontRef>
+        </p:style>
+      </p:cxnSp>
+      <p:cxnSp>
+        <p:nvCxnSpPr>
+          <p:cNvPr id="14" name="" hidden="0"/>
+          <p:cNvCxnSpPr>
+            <a:cxnSpLocks/>
+          </p:cNvCxnSpPr>
+          <p:nvPr isPhoto="0" userDrawn="0"/>
+        </p:nvCxnSpPr>
+        <p:spPr bwMode="auto">
+          <a:xfrm rot="0" flipH="1" flipV="0">
+            <a:off x="4810611" y="2305049"/>
+            <a:ext cx="1471612" cy="333373"/>
+          </a:xfrm>
+          <a:prstGeom prst="line">
+            <a:avLst/>
+          </a:prstGeom>
+          <a:ln w="28575" cap="flat" cmpd="sng" algn="ctr">
+            <a:solidFill>
+              <a:srgbClr val="FFD564"/>
+            </a:solidFill>
+            <a:prstDash val="sysDash"/>
+            <a:miter/>
+          </a:ln>
+        </p:spPr>
+        <p:style>
+          <a:lnRef idx="1">
+            <a:schemeClr val="accent1">
+              <a:shade val="50000"/>
+            </a:schemeClr>
+          </a:lnRef>
+          <a:fillRef idx="0">
+            <a:schemeClr val="accent1"/>
+          </a:fillRef>
+          <a:effectRef idx="0">
+            <a:schemeClr val="accent1"/>
+          </a:effectRef>
+          <a:fontRef idx="minor">
+            <a:schemeClr val="tx1"/>
+          </a:fontRef>
+        </p:style>
+      </p:cxnSp>
+      <p:cxnSp>
+        <p:nvCxnSpPr>
+          <p:cNvPr id="15" name="" hidden="0"/>
+          <p:cNvCxnSpPr>
+            <a:cxnSpLocks/>
+          </p:cNvCxnSpPr>
+          <p:nvPr isPhoto="0" userDrawn="0"/>
+        </p:nvCxnSpPr>
+        <p:spPr bwMode="auto">
+          <a:xfrm rot="0" flipH="0" flipV="1">
+            <a:off x="3605699" y="4524374"/>
+            <a:ext cx="380999" cy="257174"/>
+          </a:xfrm>
+          <a:prstGeom prst="line">
+            <a:avLst/>
+          </a:prstGeom>
+          <a:ln w="28575" cap="flat" cmpd="sng" algn="ctr">
+            <a:solidFill>
+              <a:srgbClr val="FFD564"/>
+            </a:solidFill>
+            <a:prstDash val="sysDash"/>
+            <a:miter/>
+          </a:ln>
+        </p:spPr>
+        <p:style>
+          <a:lnRef idx="1">
+            <a:schemeClr val="accent1">
+              <a:shade val="50000"/>
+            </a:schemeClr>
+          </a:lnRef>
+          <a:fillRef idx="0">
+            <a:schemeClr val="accent1"/>
+          </a:fillRef>
+          <a:effectRef idx="0">
+            <a:schemeClr val="accent1"/>
+          </a:effectRef>
+          <a:fontRef idx="minor">
+            <a:schemeClr val="tx1"/>
+          </a:fontRef>
+        </p:style>
+      </p:cxnSp>
+      <p:cxnSp>
+        <p:nvCxnSpPr>
+          <p:cNvPr id="16" name="" hidden="0"/>
+          <p:cNvCxnSpPr>
+            <a:cxnSpLocks/>
+          </p:cNvCxnSpPr>
+          <p:nvPr isPhoto="0" userDrawn="0"/>
+        </p:nvCxnSpPr>
+        <p:spPr bwMode="auto">
+          <a:xfrm rot="0" flipH="1" flipV="1">
+            <a:off x="4024799" y="4495799"/>
+            <a:ext cx="52747" cy="323849"/>
+          </a:xfrm>
+          <a:prstGeom prst="line">
+            <a:avLst/>
+          </a:prstGeom>
+          <a:ln w="28575" cap="flat" cmpd="sng" algn="ctr">
+            <a:solidFill>
+              <a:srgbClr val="FFD564"/>
+            </a:solidFill>
+            <a:prstDash val="sysDash"/>
+            <a:miter/>
+          </a:ln>
+        </p:spPr>
+        <p:style>
+          <a:lnRef idx="1">
+            <a:schemeClr val="accent1">
+              <a:shade val="50000"/>
+            </a:schemeClr>
+          </a:lnRef>
+          <a:fillRef idx="0">
+            <a:schemeClr val="accent1"/>
+          </a:fillRef>
+          <a:effectRef idx="0">
+            <a:schemeClr val="accent1"/>
+          </a:effectRef>
+          <a:fontRef idx="minor">
+            <a:schemeClr val="tx1"/>
+          </a:fontRef>
+        </p:style>
+      </p:cxnSp>
+      <p:cxnSp>
+        <p:nvCxnSpPr>
+          <p:cNvPr id="17" name="" hidden="0"/>
+          <p:cNvCxnSpPr>
+            <a:cxnSpLocks/>
+          </p:cNvCxnSpPr>
+          <p:nvPr isPhoto="0" userDrawn="0"/>
+        </p:nvCxnSpPr>
+        <p:spPr bwMode="auto">
+          <a:xfrm rot="0" flipH="1" flipV="0">
+            <a:off x="4086712" y="4238624"/>
+            <a:ext cx="104774" cy="157162"/>
+          </a:xfrm>
+          <a:prstGeom prst="line">
+            <a:avLst/>
+          </a:prstGeom>
+          <a:ln w="28575" cap="flat" cmpd="sng" algn="ctr">
+            <a:solidFill>
+              <a:srgbClr val="FFD564"/>
+            </a:solidFill>
+            <a:prstDash val="sysDash"/>
+            <a:miter/>
+          </a:ln>
+        </p:spPr>
+        <p:style>
+          <a:lnRef idx="1">
+            <a:schemeClr val="accent1">
+              <a:shade val="50000"/>
+            </a:schemeClr>
+          </a:lnRef>
+          <a:fillRef idx="0">
+            <a:schemeClr val="accent1"/>
+          </a:fillRef>
+          <a:effectRef idx="0">
+            <a:schemeClr val="accent1"/>
+          </a:effectRef>
+          <a:fontRef idx="minor">
+            <a:schemeClr val="tx1"/>
+          </a:fontRef>
+        </p:style>
+      </p:cxnSp>
+      <p:cxnSp>
+        <p:nvCxnSpPr>
+          <p:cNvPr id="18" name="" hidden="0"/>
+          <p:cNvCxnSpPr>
+            <a:cxnSpLocks/>
+          </p:cNvCxnSpPr>
+          <p:nvPr isPhoto="0" userDrawn="0"/>
+        </p:nvCxnSpPr>
+        <p:spPr bwMode="auto">
+          <a:xfrm rot="0" flipH="0" flipV="0">
+            <a:off x="3815249" y="3914774"/>
+            <a:ext cx="190499" cy="471487"/>
+          </a:xfrm>
+          <a:prstGeom prst="line">
+            <a:avLst/>
+          </a:prstGeom>
+          <a:ln w="28575" cap="flat" cmpd="sng" algn="ctr">
+            <a:solidFill>
+              <a:srgbClr val="FFD564"/>
+            </a:solidFill>
+            <a:prstDash val="sysDash"/>
+            <a:miter/>
+          </a:ln>
+        </p:spPr>
+        <p:style>
+          <a:lnRef idx="1">
+            <a:schemeClr val="accent1">
+              <a:shade val="50000"/>
+            </a:schemeClr>
+          </a:lnRef>
+          <a:fillRef idx="0">
+            <a:schemeClr val="accent1"/>
+          </a:fillRef>
+          <a:effectRef idx="0">
+            <a:schemeClr val="accent1"/>
+          </a:effectRef>
+          <a:fontRef idx="minor">
+            <a:schemeClr val="tx1"/>
+          </a:fontRef>
+        </p:style>
+      </p:cxnSp>
+      <p:cxnSp>
+        <p:nvCxnSpPr>
+          <p:cNvPr id="19" name="" hidden="0"/>
+          <p:cNvCxnSpPr>
+            <a:cxnSpLocks/>
+          </p:cNvCxnSpPr>
+          <p:nvPr isPhoto="0" userDrawn="0"/>
+        </p:nvCxnSpPr>
+        <p:spPr bwMode="auto">
+          <a:xfrm rot="0" flipH="0" flipV="0">
+            <a:off x="3344775" y="4343928"/>
+            <a:ext cx="613348" cy="156633"/>
+          </a:xfrm>
+          <a:prstGeom prst="line">
+            <a:avLst/>
+          </a:prstGeom>
+          <a:ln w="28575" cap="flat" cmpd="sng" algn="ctr">
+            <a:solidFill>
+              <a:srgbClr val="FFD564"/>
+            </a:solidFill>
+            <a:prstDash val="sysDash"/>
+            <a:miter/>
+          </a:ln>
+        </p:spPr>
+        <p:style>
+          <a:lnRef idx="1">
+            <a:schemeClr val="accent1">
+              <a:shade val="50000"/>
+            </a:schemeClr>
+          </a:lnRef>
+          <a:fillRef idx="0">
+            <a:schemeClr val="accent1"/>
+          </a:fillRef>
+          <a:effectRef idx="0">
+            <a:schemeClr val="accent1"/>
+          </a:effectRef>
+          <a:fontRef idx="minor">
+            <a:schemeClr val="tx1"/>
+          </a:fontRef>
+        </p:style>
+      </p:cxnSp>
+      <p:cxnSp>
+        <p:nvCxnSpPr>
+          <p:cNvPr id="20" name="" hidden="0"/>
+          <p:cNvCxnSpPr>
+            <a:cxnSpLocks/>
+          </p:cNvCxnSpPr>
+          <p:nvPr isPhoto="0" userDrawn="0"/>
+        </p:nvCxnSpPr>
+        <p:spPr bwMode="auto">
+          <a:xfrm rot="0" flipH="0" flipV="0">
+            <a:off x="3834299" y="4291012"/>
+            <a:ext cx="222327" cy="228600"/>
+          </a:xfrm>
+          <a:prstGeom prst="line">
+            <a:avLst/>
+          </a:prstGeom>
+          <a:ln w="28575" cap="flat" cmpd="sng" algn="ctr">
+            <a:solidFill>
+              <a:srgbClr val="FFD564"/>
+            </a:solidFill>
+            <a:prstDash val="sysDash"/>
+            <a:miter/>
+          </a:ln>
+        </p:spPr>
+        <p:style>
+          <a:lnRef idx="1">
+            <a:schemeClr val="accent1">
+              <a:shade val="50000"/>
+            </a:schemeClr>
+          </a:lnRef>
+          <a:fillRef idx="0">
+            <a:schemeClr val="accent1"/>
+          </a:fillRef>
+          <a:effectRef idx="0">
+            <a:schemeClr val="accent1"/>
+          </a:effectRef>
+          <a:fontRef idx="minor">
+            <a:schemeClr val="tx1"/>
+          </a:fontRef>
+        </p:style>
+      </p:cxnSp>
+      <p:cxnSp>
+        <p:nvCxnSpPr>
+          <p:cNvPr id="21" name="" hidden="0"/>
+          <p:cNvCxnSpPr>
+            <a:cxnSpLocks/>
+          </p:cNvCxnSpPr>
+          <p:nvPr isPhoto="0" userDrawn="0"/>
+        </p:nvCxnSpPr>
+        <p:spPr bwMode="auto">
+          <a:xfrm rot="0" flipH="1" flipV="1">
+            <a:off x="6106011" y="4471987"/>
+            <a:ext cx="290512" cy="104774"/>
+          </a:xfrm>
+          <a:prstGeom prst="line">
+            <a:avLst/>
+          </a:prstGeom>
+          <a:ln w="28575" cap="flat" cmpd="sng" algn="ctr">
+            <a:solidFill>
+              <a:srgbClr val="FFD564"/>
+            </a:solidFill>
+            <a:prstDash val="sysDash"/>
+            <a:miter/>
+          </a:ln>
+        </p:spPr>
+        <p:style>
+          <a:lnRef idx="1">
+            <a:schemeClr val="accent1">
+              <a:shade val="50000"/>
+            </a:schemeClr>
+          </a:lnRef>
+          <a:fillRef idx="0">
+            <a:schemeClr val="accent1"/>
+          </a:fillRef>
+          <a:effectRef idx="0">
+            <a:schemeClr val="accent1"/>
+          </a:effectRef>
+          <a:fontRef idx="minor">
+            <a:schemeClr val="tx1"/>
+          </a:fontRef>
+        </p:style>
+      </p:cxnSp>
+      <p:cxnSp>
+        <p:nvCxnSpPr>
+          <p:cNvPr id="22" name="" hidden="0"/>
+          <p:cNvCxnSpPr>
+            <a:cxnSpLocks/>
+          </p:cNvCxnSpPr>
+          <p:nvPr isPhoto="0" userDrawn="0"/>
+        </p:nvCxnSpPr>
+        <p:spPr bwMode="auto">
+          <a:xfrm rot="0" flipH="1" flipV="0">
+            <a:off x="6101249" y="4181473"/>
+            <a:ext cx="161924" cy="219074"/>
+          </a:xfrm>
+          <a:prstGeom prst="line">
+            <a:avLst/>
+          </a:prstGeom>
+          <a:ln w="28575" cap="flat" cmpd="sng" algn="ctr">
+            <a:solidFill>
+              <a:srgbClr val="FFD564"/>
+            </a:solidFill>
+            <a:prstDash val="sysDash"/>
+            <a:miter/>
+          </a:ln>
+        </p:spPr>
+        <p:style>
+          <a:lnRef idx="1">
+            <a:schemeClr val="accent1">
+              <a:shade val="50000"/>
+            </a:schemeClr>
+          </a:lnRef>
+          <a:fillRef idx="0">
+            <a:schemeClr val="accent1"/>
+          </a:fillRef>
+          <a:effectRef idx="0">
+            <a:schemeClr val="accent1"/>
+          </a:effectRef>
+          <a:fontRef idx="minor">
+            <a:schemeClr val="tx1"/>
+          </a:fontRef>
+        </p:style>
+      </p:cxnSp>
+      <p:cxnSp>
+        <p:nvCxnSpPr>
+          <p:cNvPr id="23" name="" hidden="0"/>
+          <p:cNvCxnSpPr>
+            <a:cxnSpLocks/>
+          </p:cNvCxnSpPr>
+          <p:nvPr isPhoto="0" userDrawn="0"/>
+        </p:nvCxnSpPr>
+        <p:spPr bwMode="auto">
+          <a:xfrm rot="0" flipH="0" flipV="0">
+            <a:off x="5858362" y="4433887"/>
+            <a:ext cx="119062" cy="0"/>
+          </a:xfrm>
+          <a:prstGeom prst="line">
+            <a:avLst/>
+          </a:prstGeom>
+          <a:ln w="28575" cap="flat" cmpd="sng" algn="ctr">
+            <a:solidFill>
+              <a:srgbClr val="FFD564"/>
+            </a:solidFill>
+            <a:prstDash val="sysDash"/>
+            <a:miter/>
+          </a:ln>
+        </p:spPr>
+        <p:style>
+          <a:lnRef idx="1">
+            <a:schemeClr val="accent1">
+              <a:shade val="50000"/>
+            </a:schemeClr>
+          </a:lnRef>
+          <a:fillRef idx="0">
+            <a:schemeClr val="accent1"/>
+          </a:fillRef>
+          <a:effectRef idx="0">
+            <a:schemeClr val="accent1"/>
+          </a:effectRef>
+          <a:fontRef idx="minor">
+            <a:schemeClr val="tx1"/>
+          </a:fontRef>
+        </p:style>
+      </p:cxnSp>
+      <p:cxnSp>
+        <p:nvCxnSpPr>
+          <p:cNvPr id="24" name="" hidden="0"/>
+          <p:cNvCxnSpPr>
+            <a:cxnSpLocks/>
+          </p:cNvCxnSpPr>
+          <p:nvPr isPhoto="0" userDrawn="0"/>
+        </p:nvCxnSpPr>
+        <p:spPr bwMode="auto">
+          <a:xfrm rot="0" flipH="0" flipV="1">
+            <a:off x="5405924" y="4471987"/>
+            <a:ext cx="542925" cy="261937"/>
+          </a:xfrm>
+          <a:prstGeom prst="line">
+            <a:avLst/>
+          </a:prstGeom>
+          <a:ln w="28575" cap="flat" cmpd="sng" algn="ctr">
+            <a:solidFill>
+              <a:srgbClr val="FFD564"/>
+            </a:solidFill>
+            <a:prstDash val="sysDash"/>
+            <a:miter/>
+          </a:ln>
+        </p:spPr>
+        <p:style>
+          <a:lnRef idx="1">
+            <a:schemeClr val="accent1">
+              <a:shade val="50000"/>
+            </a:schemeClr>
+          </a:lnRef>
+          <a:fillRef idx="0">
+            <a:schemeClr val="accent1"/>
+          </a:fillRef>
+          <a:effectRef idx="0">
+            <a:schemeClr val="accent1"/>
+          </a:effectRef>
+          <a:fontRef idx="minor">
+            <a:schemeClr val="tx1"/>
+          </a:fontRef>
+        </p:style>
+      </p:cxnSp>
+      <p:cxnSp>
+        <p:nvCxnSpPr>
+          <p:cNvPr id="25" name="" hidden="0"/>
+          <p:cNvCxnSpPr>
+            <a:cxnSpLocks/>
+            <a:endCxn id="26" idx="6"/>
+          </p:cNvCxnSpPr>
+          <p:nvPr isPhoto="0" userDrawn="0"/>
+        </p:nvCxnSpPr>
+        <p:spPr bwMode="auto">
+          <a:xfrm rot="0" flipH="0" flipV="0">
+            <a:off x="5429737" y="4214812"/>
+            <a:ext cx="534694" cy="205957"/>
+          </a:xfrm>
+          <a:prstGeom prst="line">
+            <a:avLst/>
+          </a:prstGeom>
+          <a:ln w="28575" cap="flat" cmpd="sng" algn="ctr">
+            <a:solidFill>
+              <a:srgbClr val="FFD564"/>
+            </a:solidFill>
+            <a:prstDash val="sysDash"/>
+            <a:miter/>
+          </a:ln>
+        </p:spPr>
+        <p:style>
+          <a:lnRef idx="1">
+            <a:schemeClr val="accent1">
+              <a:shade val="50000"/>
+            </a:schemeClr>
+          </a:lnRef>
+          <a:fillRef idx="0">
+            <a:schemeClr val="accent1"/>
+          </a:fillRef>
+          <a:effectRef idx="0">
+            <a:schemeClr val="accent1"/>
+          </a:effectRef>
+          <a:fontRef idx="minor">
+            <a:schemeClr val="tx1"/>
+          </a:fontRef>
+        </p:style>
+      </p:cxnSp>
+      <p:sp>
+        <p:nvSpPr>
+          <p:cNvPr id="27" name="" hidden="0"/>
+          <p:cNvSpPr/>
+          <p:nvPr isPhoto="0" userDrawn="0"/>
+        </p:nvSpPr>
+        <p:spPr bwMode="auto">
+          <a:xfrm flipH="0" flipV="0">
+            <a:off x="3099313" y="3699890"/>
+            <a:ext cx="1441758" cy="1441758"/>
+          </a:xfrm>
+          <a:prstGeom prst="ellipse">
+            <a:avLst/>
+          </a:prstGeom>
+          <a:noFill/>
+          <a:ln w="38099" cap="flat" cmpd="sng" algn="ctr">
+            <a:solidFill>
+              <a:srgbClr val="43739E"/>
+            </a:solidFill>
+            <a:prstDash val="dash"/>
+            <a:miter/>
+          </a:ln>
+        </p:spPr>
+        <p:style>
+          <a:lnRef idx="2">
+            <a:schemeClr val="accent1">
+              <a:shade val="50000"/>
+            </a:schemeClr>
+          </a:lnRef>
+          <a:fillRef idx="1">
+            <a:schemeClr val="accent1"/>
+          </a:fillRef>
+          <a:effectRef idx="0">
+            <a:schemeClr val="accent1"/>
+          </a:effectRef>
+          <a:fontRef idx="minor">
+            <a:schemeClr val="lt1"/>
+          </a:fontRef>
+        </p:style>
+      </p:sp>
+      <p:sp>
+        <p:nvSpPr>
+          <p:cNvPr id="28" name="" hidden="0"/>
+          <p:cNvSpPr/>
+          <p:nvPr isPhoto="0" userDrawn="0"/>
+        </p:nvSpPr>
+        <p:spPr bwMode="auto">
+          <a:xfrm rot="20560647" flipH="0" flipV="0">
+            <a:off x="5039999" y="3735160"/>
+            <a:ext cx="1738437" cy="1285967"/>
+          </a:xfrm>
+          <a:prstGeom prst="ellipse">
+            <a:avLst/>
+          </a:prstGeom>
+          <a:noFill/>
+          <a:ln w="38099" cap="flat" cmpd="sng" algn="ctr">
+            <a:solidFill>
+              <a:srgbClr val="43739E"/>
+            </a:solidFill>
+            <a:prstDash val="dash"/>
+            <a:miter/>
+          </a:ln>
+        </p:spPr>
+        <p:style>
+          <a:lnRef idx="2">
+            <a:schemeClr val="accent1">
+              <a:shade val="50000"/>
+            </a:schemeClr>
+          </a:lnRef>
+          <a:fillRef idx="1">
+            <a:schemeClr val="accent1"/>
+          </a:fillRef>
+          <a:effectRef idx="0">
+            <a:schemeClr val="accent1"/>
+          </a:effectRef>
+          <a:fontRef idx="minor">
+            <a:schemeClr val="lt1"/>
+          </a:fontRef>
+        </p:style>
+      </p:sp>
+      <p:sp>
+        <p:nvSpPr>
+          <p:cNvPr id="29" name="" hidden="0"/>
+          <p:cNvSpPr/>
+          <p:nvPr isPhoto="0" userDrawn="0"/>
+        </p:nvSpPr>
+        <p:spPr bwMode="auto">
+          <a:xfrm rot="0" flipH="0" flipV="0">
+            <a:off x="4116115" y="4105921"/>
+            <a:ext cx="231188" cy="231188"/>
+          </a:xfrm>
+          <a:prstGeom prst="ellipse">
+            <a:avLst/>
+          </a:prstGeom>
+          <a:solidFill>
+            <a:schemeClr val="bg1">
+              <a:lumMod val="75000"/>
+            </a:schemeClr>
+          </a:solidFill>
+          <a:ln w="12700" cap="flat" cmpd="sng" algn="ctr">
+            <a:noFill/>
+            <a:prstDash val="solid"/>
+            <a:miter/>
+          </a:ln>
+        </p:spPr>
+        <p:style>
+          <a:lnRef idx="2">
+            <a:schemeClr val="accent1">
+              <a:shade val="50000"/>
+            </a:schemeClr>
+          </a:lnRef>
+          <a:fillRef idx="1">
+            <a:schemeClr val="accent1"/>
+          </a:fillRef>
+          <a:effectRef idx="0">
+            <a:schemeClr val="accent1"/>
+          </a:effectRef>
+          <a:fontRef idx="minor">
+            <a:schemeClr val="lt1"/>
+          </a:fontRef>
+        </p:style>
+      </p:sp>
+      <p:sp>
+        <p:nvSpPr>
+          <p:cNvPr id="30" name="" hidden="0"/>
+          <p:cNvSpPr/>
+          <p:nvPr isPhoto="0" userDrawn="0"/>
+        </p:nvSpPr>
+        <p:spPr bwMode="auto">
+          <a:xfrm rot="0" flipH="0" flipV="0">
+            <a:off x="3214476" y="4212267"/>
+            <a:ext cx="231188" cy="231188"/>
+          </a:xfrm>
+          <a:prstGeom prst="ellipse">
+            <a:avLst/>
+          </a:prstGeom>
+          <a:solidFill>
+            <a:schemeClr val="bg1">
+              <a:lumMod val="75000"/>
+            </a:schemeClr>
+          </a:solidFill>
+          <a:ln w="12700" cap="flat" cmpd="sng" algn="ctr">
+            <a:noFill/>
+            <a:prstDash val="solid"/>
+            <a:miter/>
+          </a:ln>
+        </p:spPr>
+        <p:style>
+          <a:lnRef idx="2">
+            <a:schemeClr val="accent1">
+              <a:shade val="50000"/>
+            </a:schemeClr>
+          </a:lnRef>
+          <a:fillRef idx="1">
+            <a:schemeClr val="accent1"/>
+          </a:fillRef>
+          <a:effectRef idx="0">
+            <a:schemeClr val="accent1"/>
+          </a:effectRef>
+          <a:fontRef idx="minor">
+            <a:schemeClr val="lt1"/>
+          </a:fontRef>
+        </p:style>
+      </p:sp>
+      <p:sp>
+        <p:nvSpPr>
+          <p:cNvPr id="31" name="" hidden="0"/>
+          <p:cNvSpPr/>
+          <p:nvPr isPhoto="0" userDrawn="0"/>
+        </p:nvSpPr>
+        <p:spPr bwMode="auto">
+          <a:xfrm rot="0" flipH="0" flipV="0">
+            <a:off x="3496528" y="4679270"/>
+            <a:ext cx="231188" cy="231188"/>
+          </a:xfrm>
+          <a:prstGeom prst="ellipse">
+            <a:avLst/>
+          </a:prstGeom>
+          <a:solidFill>
+            <a:schemeClr val="bg1">
+              <a:lumMod val="75000"/>
+            </a:schemeClr>
+          </a:solidFill>
+          <a:ln w="12700" cap="flat" cmpd="sng" algn="ctr">
+            <a:noFill/>
+            <a:prstDash val="solid"/>
+            <a:miter/>
+          </a:ln>
+        </p:spPr>
+        <p:style>
+          <a:lnRef idx="2">
+            <a:schemeClr val="accent1">
+              <a:shade val="50000"/>
+            </a:schemeClr>
+          </a:lnRef>
+          <a:fillRef idx="1">
+            <a:schemeClr val="accent1"/>
+          </a:fillRef>
+          <a:effectRef idx="0">
+            <a:schemeClr val="accent1"/>
+          </a:effectRef>
+          <a:fontRef idx="minor">
+            <a:schemeClr val="lt1"/>
+          </a:fontRef>
+        </p:style>
+      </p:sp>
+      <p:sp>
+        <p:nvSpPr>
+          <p:cNvPr id="32" name="" hidden="0"/>
+          <p:cNvSpPr/>
+          <p:nvPr isPhoto="0" userDrawn="0"/>
+        </p:nvSpPr>
+        <p:spPr bwMode="auto">
+          <a:xfrm rot="0" flipH="0" flipV="0">
+            <a:off x="3704598" y="4156782"/>
+            <a:ext cx="231188" cy="231188"/>
+          </a:xfrm>
+          <a:prstGeom prst="ellipse">
+            <a:avLst/>
+          </a:prstGeom>
+          <a:solidFill>
+            <a:schemeClr val="bg1">
+              <a:lumMod val="75000"/>
+            </a:schemeClr>
+          </a:solidFill>
+          <a:ln w="12700" cap="flat" cmpd="sng" algn="ctr">
+            <a:noFill/>
+            <a:prstDash val="solid"/>
+            <a:miter/>
+          </a:ln>
+        </p:spPr>
+        <p:style>
+          <a:lnRef idx="2">
+            <a:schemeClr val="accent1">
+              <a:shade val="50000"/>
+            </a:schemeClr>
+          </a:lnRef>
+          <a:fillRef idx="1">
+            <a:schemeClr val="accent1"/>
+          </a:fillRef>
+          <a:effectRef idx="0">
+            <a:schemeClr val="accent1"/>
+          </a:effectRef>
+          <a:fontRef idx="minor">
+            <a:schemeClr val="lt1"/>
+          </a:fontRef>
+        </p:style>
+      </p:sp>
+      <p:sp>
+        <p:nvSpPr>
+          <p:cNvPr id="33" name="" hidden="0"/>
+          <p:cNvSpPr/>
+          <p:nvPr isPhoto="0" userDrawn="0"/>
+        </p:nvSpPr>
+        <p:spPr bwMode="auto">
+          <a:xfrm rot="0" flipH="0" flipV="0">
+            <a:off x="3676854" y="3749889"/>
+            <a:ext cx="231188" cy="231188"/>
+          </a:xfrm>
+          <a:prstGeom prst="ellipse">
+            <a:avLst/>
+          </a:prstGeom>
+          <a:solidFill>
+            <a:schemeClr val="bg1">
+              <a:lumMod val="75000"/>
+            </a:schemeClr>
+          </a:solidFill>
+          <a:ln w="12700" cap="flat" cmpd="sng" algn="ctr">
+            <a:noFill/>
+            <a:prstDash val="solid"/>
+            <a:miter/>
+          </a:ln>
+        </p:spPr>
+        <p:style>
+          <a:lnRef idx="2">
+            <a:schemeClr val="accent1">
+              <a:shade val="50000"/>
+            </a:schemeClr>
+          </a:lnRef>
+          <a:fillRef idx="1">
+            <a:schemeClr val="accent1"/>
+          </a:fillRef>
+          <a:effectRef idx="0">
+            <a:schemeClr val="accent1"/>
+          </a:effectRef>
+          <a:fontRef idx="minor">
+            <a:schemeClr val="lt1"/>
+          </a:fontRef>
+        </p:style>
+      </p:sp>
+      <p:sp>
+        <p:nvSpPr>
+          <p:cNvPr id="34" name="" hidden="0"/>
+          <p:cNvSpPr/>
+          <p:nvPr isPhoto="0" userDrawn="0"/>
+        </p:nvSpPr>
+        <p:spPr bwMode="auto">
+          <a:xfrm rot="0" flipH="0" flipV="0">
+            <a:off x="3935787" y="4674646"/>
+            <a:ext cx="231188" cy="231188"/>
+          </a:xfrm>
+          <a:prstGeom prst="ellipse">
+            <a:avLst/>
+          </a:prstGeom>
+          <a:solidFill>
+            <a:schemeClr val="bg1">
+              <a:lumMod val="75000"/>
+            </a:schemeClr>
+          </a:solidFill>
+          <a:ln w="12700" cap="flat" cmpd="sng" algn="ctr">
+            <a:noFill/>
+            <a:prstDash val="solid"/>
+            <a:miter/>
+          </a:ln>
+        </p:spPr>
+        <p:style>
+          <a:lnRef idx="2">
+            <a:schemeClr val="accent1">
+              <a:shade val="50000"/>
+            </a:schemeClr>
+          </a:lnRef>
+          <a:fillRef idx="1">
+            <a:schemeClr val="accent1"/>
+          </a:fillRef>
+          <a:effectRef idx="0">
+            <a:schemeClr val="accent1"/>
+          </a:effectRef>
+          <a:fontRef idx="minor">
+            <a:schemeClr val="lt1"/>
+          </a:fontRef>
+        </p:style>
+      </p:sp>
+      <p:sp>
+        <p:nvSpPr>
+          <p:cNvPr id="35" name="" hidden="0"/>
+          <p:cNvSpPr/>
+          <p:nvPr isPhoto="0" userDrawn="0"/>
+        </p:nvSpPr>
+        <p:spPr bwMode="auto">
+          <a:xfrm rot="0" flipH="0" flipV="0">
+            <a:off x="5270865" y="4073986"/>
+            <a:ext cx="231188" cy="231188"/>
+          </a:xfrm>
+          <a:prstGeom prst="ellipse">
+            <a:avLst/>
+          </a:prstGeom>
+          <a:solidFill>
+            <a:schemeClr val="bg1">
+              <a:lumMod val="75000"/>
+            </a:schemeClr>
+          </a:solidFill>
+          <a:ln w="12700" cap="flat" cmpd="sng" algn="ctr">
+            <a:noFill/>
+            <a:prstDash val="solid"/>
+            <a:miter/>
+          </a:ln>
+        </p:spPr>
+        <p:style>
+          <a:lnRef idx="2">
+            <a:schemeClr val="accent1">
+              <a:shade val="50000"/>
+            </a:schemeClr>
+          </a:lnRef>
+          <a:fillRef idx="1">
+            <a:schemeClr val="accent1"/>
+          </a:fillRef>
+          <a:effectRef idx="0">
+            <a:schemeClr val="accent1"/>
+          </a:effectRef>
+          <a:fontRef idx="minor">
+            <a:schemeClr val="lt1"/>
+          </a:fontRef>
+        </p:style>
+      </p:sp>
+      <p:sp>
+        <p:nvSpPr>
+          <p:cNvPr id="36" name="" hidden="0"/>
+          <p:cNvSpPr/>
+          <p:nvPr isPhoto="0" userDrawn="0"/>
+        </p:nvSpPr>
+        <p:spPr bwMode="auto">
+          <a:xfrm rot="0" flipH="0" flipV="0">
+            <a:off x="5270865" y="4617568"/>
+            <a:ext cx="231188" cy="231188"/>
+          </a:xfrm>
+          <a:prstGeom prst="ellipse">
+            <a:avLst/>
+          </a:prstGeom>
+          <a:solidFill>
+            <a:schemeClr val="bg1">
+              <a:lumMod val="75000"/>
+            </a:schemeClr>
+          </a:solidFill>
+          <a:ln w="12700" cap="flat" cmpd="sng" algn="ctr">
+            <a:noFill/>
+            <a:prstDash val="solid"/>
+            <a:miter/>
+          </a:ln>
+        </p:spPr>
+        <p:style>
+          <a:lnRef idx="2">
+            <a:schemeClr val="accent1">
+              <a:shade val="50000"/>
+            </a:schemeClr>
+          </a:lnRef>
+          <a:fillRef idx="1">
+            <a:schemeClr val="accent1"/>
+          </a:fillRef>
+          <a:effectRef idx="0">
+            <a:schemeClr val="accent1"/>
+          </a:effectRef>
+          <a:fontRef idx="minor">
+            <a:schemeClr val="lt1"/>
+          </a:fontRef>
+        </p:style>
+      </p:sp>
+      <p:sp>
+        <p:nvSpPr>
+          <p:cNvPr id="37" name="" hidden="0"/>
+          <p:cNvSpPr/>
+          <p:nvPr isPhoto="0" userDrawn="0"/>
+        </p:nvSpPr>
+        <p:spPr bwMode="auto">
+          <a:xfrm rot="0" flipH="0" flipV="0">
+            <a:off x="6338588" y="4476255"/>
+            <a:ext cx="231188" cy="231188"/>
+          </a:xfrm>
+          <a:prstGeom prst="ellipse">
+            <a:avLst/>
+          </a:prstGeom>
+          <a:solidFill>
+            <a:schemeClr val="bg1">
+              <a:lumMod val="75000"/>
+            </a:schemeClr>
+          </a:solidFill>
+          <a:ln w="12700" cap="flat" cmpd="sng" algn="ctr">
+            <a:noFill/>
+            <a:prstDash val="solid"/>
+            <a:miter/>
+          </a:ln>
+        </p:spPr>
+        <p:style>
+          <a:lnRef idx="2">
+            <a:schemeClr val="accent1">
+              <a:shade val="50000"/>
+            </a:schemeClr>
+          </a:lnRef>
+          <a:fillRef idx="1">
+            <a:schemeClr val="accent1"/>
+          </a:fillRef>
+          <a:effectRef idx="0">
+            <a:schemeClr val="accent1"/>
+          </a:effectRef>
+          <a:fontRef idx="minor">
+            <a:schemeClr val="lt1"/>
+          </a:fontRef>
+        </p:style>
+      </p:sp>
+      <p:sp>
+        <p:nvSpPr>
+          <p:cNvPr id="38" name="" hidden="0"/>
+          <p:cNvSpPr/>
+          <p:nvPr isPhoto="0" userDrawn="0"/>
+        </p:nvSpPr>
+        <p:spPr bwMode="auto">
+          <a:xfrm rot="0" flipH="0" flipV="0">
+            <a:off x="6175955" y="4013877"/>
+            <a:ext cx="231188" cy="231188"/>
+          </a:xfrm>
+          <a:prstGeom prst="ellipse">
+            <a:avLst/>
+          </a:prstGeom>
+          <a:solidFill>
+            <a:schemeClr val="bg1">
+              <a:lumMod val="75000"/>
+            </a:schemeClr>
+          </a:solidFill>
+          <a:ln w="12700" cap="flat" cmpd="sng" algn="ctr">
+            <a:noFill/>
+            <a:prstDash val="solid"/>
+            <a:miter/>
+          </a:ln>
+        </p:spPr>
+        <p:style>
+          <a:lnRef idx="2">
+            <a:schemeClr val="accent1">
+              <a:shade val="50000"/>
+            </a:schemeClr>
+          </a:lnRef>
+          <a:fillRef idx="1">
+            <a:schemeClr val="accent1"/>
+          </a:fillRef>
+          <a:effectRef idx="0">
+            <a:schemeClr val="accent1"/>
+          </a:effectRef>
+          <a:fontRef idx="minor">
+            <a:schemeClr val="lt1"/>
+          </a:fontRef>
+        </p:style>
+      </p:sp>
+      <p:sp>
+        <p:nvSpPr>
+          <p:cNvPr id="26" name="" hidden="0"/>
+          <p:cNvSpPr/>
+          <p:nvPr isPhoto="0" userDrawn="0"/>
+        </p:nvSpPr>
+        <p:spPr bwMode="auto">
+          <a:xfrm rot="0" flipH="0" flipV="0">
+            <a:off x="5733243" y="4305175"/>
+            <a:ext cx="231188" cy="231188"/>
+          </a:xfrm>
+          <a:prstGeom prst="ellipse">
+            <a:avLst/>
+          </a:prstGeom>
+          <a:solidFill>
+            <a:schemeClr val="bg1">
+              <a:lumMod val="75000"/>
+            </a:schemeClr>
+          </a:solidFill>
+          <a:ln w="12700" cap="flat" cmpd="sng" algn="ctr">
+            <a:noFill/>
+            <a:prstDash val="solid"/>
+            <a:miter/>
+          </a:ln>
+        </p:spPr>
+        <p:style>
+          <a:lnRef idx="2">
+            <a:schemeClr val="accent1">
+              <a:shade val="50000"/>
+            </a:schemeClr>
+          </a:lnRef>
+          <a:fillRef idx="1">
+            <a:schemeClr val="accent1"/>
+          </a:fillRef>
+          <a:effectRef idx="0">
+            <a:schemeClr val="accent1"/>
+          </a:effectRef>
+          <a:fontRef idx="minor">
+            <a:schemeClr val="lt1"/>
+          </a:fontRef>
+        </p:style>
+      </p:sp>
+      <p:sp>
+        <p:nvSpPr>
+          <p:cNvPr id="39" name="" hidden="0"/>
+          <p:cNvSpPr/>
+          <p:nvPr isPhoto="0" userDrawn="0"/>
+        </p:nvSpPr>
+        <p:spPr bwMode="auto">
+          <a:xfrm rot="2548881" flipH="0" flipV="0">
+            <a:off x="3917182" y="4369366"/>
+            <a:ext cx="252697" cy="252697"/>
+          </a:xfrm>
+          <a:prstGeom prst="plus">
+            <a:avLst>
+              <a:gd name="adj" fmla="val 38302"/>
+            </a:avLst>
+          </a:prstGeom>
+          <a:solidFill>
+            <a:schemeClr val="accent2"/>
+          </a:solidFill>
+          <a:ln w="12700" cap="flat" cmpd="sng" algn="ctr">
+            <a:noFill/>
+            <a:prstDash val="solid"/>
+            <a:miter/>
+          </a:ln>
+        </p:spPr>
+        <p:style>
+          <a:lnRef idx="2">
+            <a:schemeClr val="accent1">
+              <a:shade val="50000"/>
+            </a:schemeClr>
+          </a:lnRef>
+          <a:fillRef idx="1">
+            <a:schemeClr val="accent1"/>
+          </a:fillRef>
+          <a:effectRef idx="0">
+            <a:schemeClr val="accent1"/>
+          </a:effectRef>
+          <a:fontRef idx="minor">
+            <a:schemeClr val="lt1"/>
+          </a:fontRef>
+        </p:style>
+      </p:sp>
+      <p:grpSp>
+        <p:nvGrpSpPr>
+          <p:cNvPr id="40" name="" hidden="0"/>
+          <p:cNvGrpSpPr/>
+          <p:nvPr isPhoto="0" userDrawn="0"/>
+        </p:nvGrpSpPr>
+        <p:grpSpPr bwMode="auto">
+          <a:xfrm>
+            <a:off x="3214476" y="1908389"/>
+            <a:ext cx="1132826" cy="1160568"/>
+            <a:chOff x="0" y="0"/>
+            <a:chExt cx="1132826" cy="1160568"/>
+          </a:xfrm>
+        </p:grpSpPr>
+        <p:sp>
+          <p:nvSpPr>
+            <p:cNvPr id="41" name="" hidden="0"/>
+            <p:cNvSpPr/>
+            <p:nvPr isPhoto="0" userDrawn="0"/>
+          </p:nvSpPr>
+          <p:spPr bwMode="auto">
+            <a:xfrm flipH="0" flipV="0">
+              <a:off x="901638" y="356030"/>
+              <a:ext cx="231188" cy="231188"/>
+            </a:xfrm>
+            <a:prstGeom prst="ellipse">
+              <a:avLst/>
+            </a:prstGeom>
+            <a:solidFill>
+              <a:schemeClr val="bg1">
+                <a:lumMod val="75000"/>
+              </a:schemeClr>
+            </a:solidFill>
+            <a:ln w="12700" cap="flat" cmpd="sng" algn="ctr">
+              <a:noFill/>
+              <a:prstDash val="solid"/>
+              <a:miter/>
+            </a:ln>
+          </p:spPr>
+          <p:style>
+            <a:lnRef idx="2">
+              <a:schemeClr val="accent1">
+                <a:shade val="50000"/>
+              </a:schemeClr>
+            </a:lnRef>
+            <a:fillRef idx="1">
+              <a:schemeClr val="accent1"/>
+            </a:fillRef>
+            <a:effectRef idx="0">
+              <a:schemeClr val="accent1"/>
+            </a:effectRef>
+            <a:fontRef idx="minor">
+              <a:schemeClr val="lt1"/>
+            </a:fontRef>
+          </p:style>
+        </p:sp>
+        <p:sp>
+          <p:nvSpPr>
+            <p:cNvPr id="42" name="" hidden="0"/>
+            <p:cNvSpPr/>
+            <p:nvPr isPhoto="0" userDrawn="0"/>
+          </p:nvSpPr>
+          <p:spPr bwMode="auto">
+            <a:xfrm flipH="0" flipV="0">
+              <a:off x="0" y="462377"/>
+              <a:ext cx="231188" cy="231188"/>
+            </a:xfrm>
+            <a:prstGeom prst="ellipse">
+              <a:avLst/>
+            </a:prstGeom>
+            <a:solidFill>
+              <a:schemeClr val="bg1">
+                <a:lumMod val="75000"/>
+              </a:schemeClr>
+            </a:solidFill>
+            <a:ln w="12700" cap="flat" cmpd="sng" algn="ctr">
+              <a:noFill/>
+              <a:prstDash val="solid"/>
+              <a:miter/>
+            </a:ln>
+          </p:spPr>
+          <p:style>
+            <a:lnRef idx="2">
+              <a:schemeClr val="accent1">
+                <a:shade val="50000"/>
+              </a:schemeClr>
+            </a:lnRef>
+            <a:fillRef idx="1">
+              <a:schemeClr val="accent1"/>
+            </a:fillRef>
+            <a:effectRef idx="0">
+              <a:schemeClr val="accent1"/>
+            </a:effectRef>
+            <a:fontRef idx="minor">
+              <a:schemeClr val="lt1"/>
+            </a:fontRef>
+          </p:style>
+        </p:sp>
+        <p:sp>
+          <p:nvSpPr>
+            <p:cNvPr id="43" name="" hidden="0"/>
+            <p:cNvSpPr/>
+            <p:nvPr isPhoto="0" userDrawn="0"/>
+          </p:nvSpPr>
+          <p:spPr bwMode="auto">
+            <a:xfrm flipH="0" flipV="0">
+              <a:off x="282051" y="929379"/>
+              <a:ext cx="231188" cy="231188"/>
+            </a:xfrm>
+            <a:prstGeom prst="ellipse">
+              <a:avLst/>
+            </a:prstGeom>
+            <a:solidFill>
+              <a:schemeClr val="bg1">
+                <a:lumMod val="75000"/>
+              </a:schemeClr>
+            </a:solidFill>
+            <a:ln w="12700" cap="flat" cmpd="sng" algn="ctr">
+              <a:noFill/>
+              <a:prstDash val="solid"/>
+              <a:miter/>
+            </a:ln>
+          </p:spPr>
+          <p:style>
+            <a:lnRef idx="2">
+              <a:schemeClr val="accent1">
+                <a:shade val="50000"/>
+              </a:schemeClr>
+            </a:lnRef>
+            <a:fillRef idx="1">
+              <a:schemeClr val="accent1"/>
+            </a:fillRef>
+            <a:effectRef idx="0">
+              <a:schemeClr val="accent1"/>
+            </a:effectRef>
+            <a:fontRef idx="minor">
+              <a:schemeClr val="lt1"/>
+            </a:fontRef>
+          </p:style>
+        </p:sp>
+        <p:sp>
+          <p:nvSpPr>
+            <p:cNvPr id="44" name="" hidden="0"/>
+            <p:cNvSpPr/>
+            <p:nvPr isPhoto="0" userDrawn="0"/>
+          </p:nvSpPr>
+          <p:spPr bwMode="auto">
+            <a:xfrm flipH="0" flipV="0">
+              <a:off x="490120" y="406891"/>
+              <a:ext cx="231188" cy="231188"/>
+            </a:xfrm>
+            <a:prstGeom prst="ellipse">
+              <a:avLst/>
+            </a:prstGeom>
+            <a:solidFill>
+              <a:schemeClr val="bg1">
+                <a:lumMod val="75000"/>
+              </a:schemeClr>
+            </a:solidFill>
+            <a:ln w="12700" cap="flat" cmpd="sng" algn="ctr">
+              <a:noFill/>
+              <a:prstDash val="solid"/>
+              <a:miter/>
+            </a:ln>
+          </p:spPr>
+          <p:style>
+            <a:lnRef idx="2">
+              <a:schemeClr val="accent1">
+                <a:shade val="50000"/>
+              </a:schemeClr>
+            </a:lnRef>
+            <a:fillRef idx="1">
+              <a:schemeClr val="accent1"/>
+            </a:fillRef>
+            <a:effectRef idx="0">
+              <a:schemeClr val="accent1"/>
+            </a:effectRef>
+            <a:fontRef idx="minor">
+              <a:schemeClr val="lt1"/>
+            </a:fontRef>
+          </p:style>
+        </p:sp>
+        <p:sp>
+          <p:nvSpPr>
+            <p:cNvPr id="45" name="" hidden="0"/>
+            <p:cNvSpPr/>
+            <p:nvPr isPhoto="0" userDrawn="0"/>
+          </p:nvSpPr>
+          <p:spPr bwMode="auto">
+            <a:xfrm flipH="0" flipV="0">
+              <a:off x="462376" y="0"/>
+              <a:ext cx="231188" cy="231188"/>
+            </a:xfrm>
+            <a:prstGeom prst="ellipse">
+              <a:avLst/>
+            </a:prstGeom>
+            <a:solidFill>
+              <a:schemeClr val="bg1">
+                <a:lumMod val="75000"/>
+              </a:schemeClr>
+            </a:solidFill>
+            <a:ln w="12700" cap="flat" cmpd="sng" algn="ctr">
+              <a:noFill/>
+              <a:prstDash val="solid"/>
+              <a:miter/>
+            </a:ln>
+          </p:spPr>
+          <p:style>
+            <a:lnRef idx="2">
+              <a:schemeClr val="accent1">
+                <a:shade val="50000"/>
+              </a:schemeClr>
+            </a:lnRef>
+            <a:fillRef idx="1">
+              <a:schemeClr val="accent1"/>
+            </a:fillRef>
+            <a:effectRef idx="0">
+              <a:schemeClr val="accent1"/>
+            </a:effectRef>
+            <a:fontRef idx="minor">
+              <a:schemeClr val="lt1"/>
+            </a:fontRef>
+          </p:style>
+        </p:sp>
+        <p:sp>
+          <p:nvSpPr>
+            <p:cNvPr id="46" name="" hidden="0"/>
+            <p:cNvSpPr/>
+            <p:nvPr isPhoto="0" userDrawn="0"/>
+          </p:nvSpPr>
+          <p:spPr bwMode="auto">
+            <a:xfrm flipH="0" flipV="0">
+              <a:off x="721309" y="924755"/>
+              <a:ext cx="231188" cy="231188"/>
+            </a:xfrm>
+            <a:prstGeom prst="ellipse">
+              <a:avLst/>
+            </a:prstGeom>
+            <a:solidFill>
+              <a:schemeClr val="bg1">
+                <a:lumMod val="75000"/>
+              </a:schemeClr>
+            </a:solidFill>
+            <a:ln w="12700" cap="flat" cmpd="sng" algn="ctr">
+              <a:noFill/>
+              <a:prstDash val="solid"/>
+              <a:miter/>
+            </a:ln>
+          </p:spPr>
+          <p:style>
+            <a:lnRef idx="2">
+              <a:schemeClr val="accent1">
+                <a:shade val="50000"/>
+              </a:schemeClr>
+            </a:lnRef>
+            <a:fillRef idx="1">
+              <a:schemeClr val="accent1"/>
+            </a:fillRef>
+            <a:effectRef idx="0">
+              <a:schemeClr val="accent1"/>
+            </a:effectRef>
+            <a:fontRef idx="minor">
+              <a:schemeClr val="lt1"/>
+            </a:fontRef>
+          </p:style>
+        </p:sp>
+      </p:grpSp>
+      <p:grpSp>
+        <p:nvGrpSpPr>
+          <p:cNvPr id="47" name="" hidden="0"/>
+          <p:cNvGrpSpPr/>
+          <p:nvPr isPhoto="0" userDrawn="0"/>
+        </p:nvGrpSpPr>
+        <p:grpSpPr bwMode="auto">
+          <a:xfrm>
+            <a:off x="5270864" y="2172376"/>
+            <a:ext cx="1298911" cy="834879"/>
+            <a:chOff x="0" y="0"/>
+            <a:chExt cx="1298911" cy="834879"/>
+          </a:xfrm>
+        </p:grpSpPr>
+        <p:sp>
+          <p:nvSpPr>
+            <p:cNvPr id="48" name="" hidden="0"/>
+            <p:cNvSpPr/>
+            <p:nvPr isPhoto="0" userDrawn="0"/>
+          </p:nvSpPr>
+          <p:spPr bwMode="auto">
+            <a:xfrm flipH="0" flipV="0">
+              <a:off x="0" y="60107"/>
+              <a:ext cx="231188" cy="231188"/>
+            </a:xfrm>
+            <a:prstGeom prst="ellipse">
+              <a:avLst/>
+            </a:prstGeom>
+            <a:solidFill>
+              <a:schemeClr val="bg1">
+                <a:lumMod val="75000"/>
+              </a:schemeClr>
+            </a:solidFill>
+            <a:ln w="12700" cap="flat" cmpd="sng" algn="ctr">
+              <a:noFill/>
+              <a:prstDash val="solid"/>
+              <a:miter/>
+            </a:ln>
+          </p:spPr>
+          <p:style>
+            <a:lnRef idx="2">
+              <a:schemeClr val="accent1">
+                <a:shade val="50000"/>
+              </a:schemeClr>
+            </a:lnRef>
+            <a:fillRef idx="1">
+              <a:schemeClr val="accent1"/>
+            </a:fillRef>
+            <a:effectRef idx="0">
+              <a:schemeClr val="accent1"/>
+            </a:effectRef>
+            <a:fontRef idx="minor">
+              <a:schemeClr val="lt1"/>
+            </a:fontRef>
+          </p:style>
+        </p:sp>
+        <p:sp>
+          <p:nvSpPr>
+            <p:cNvPr id="49" name="" hidden="0"/>
+            <p:cNvSpPr/>
+            <p:nvPr isPhoto="0" userDrawn="0"/>
+          </p:nvSpPr>
+          <p:spPr bwMode="auto">
+            <a:xfrm flipH="0" flipV="0">
+              <a:off x="0" y="603690"/>
+              <a:ext cx="231188" cy="231188"/>
+            </a:xfrm>
+            <a:prstGeom prst="ellipse">
+              <a:avLst/>
+            </a:prstGeom>
+            <a:solidFill>
+              <a:schemeClr val="bg1">
+                <a:lumMod val="75000"/>
+              </a:schemeClr>
+            </a:solidFill>
+            <a:ln w="12700" cap="flat" cmpd="sng" algn="ctr">
+              <a:noFill/>
+              <a:prstDash val="solid"/>
+              <a:miter/>
+            </a:ln>
+          </p:spPr>
+          <p:style>
+            <a:lnRef idx="2">
+              <a:schemeClr val="accent1">
+                <a:shade val="50000"/>
+              </a:schemeClr>
+            </a:lnRef>
+            <a:fillRef idx="1">
+              <a:schemeClr val="accent1"/>
+            </a:fillRef>
+            <a:effectRef idx="0">
+              <a:schemeClr val="accent1"/>
+            </a:effectRef>
+            <a:fontRef idx="minor">
+              <a:schemeClr val="lt1"/>
+            </a:fontRef>
+          </p:style>
+        </p:sp>
+        <p:sp>
+          <p:nvSpPr>
+            <p:cNvPr id="50" name="" hidden="0"/>
+            <p:cNvSpPr/>
+            <p:nvPr isPhoto="0" userDrawn="0"/>
+          </p:nvSpPr>
+          <p:spPr bwMode="auto">
+            <a:xfrm flipH="0" flipV="0">
+              <a:off x="1067722" y="462377"/>
+              <a:ext cx="231188" cy="231188"/>
+            </a:xfrm>
+            <a:prstGeom prst="ellipse">
+              <a:avLst/>
+            </a:prstGeom>
+            <a:solidFill>
+              <a:schemeClr val="bg1">
+                <a:lumMod val="75000"/>
+              </a:schemeClr>
+            </a:solidFill>
+            <a:ln w="12700" cap="flat" cmpd="sng" algn="ctr">
+              <a:noFill/>
+              <a:prstDash val="solid"/>
+              <a:miter/>
+            </a:ln>
+          </p:spPr>
+          <p:style>
+            <a:lnRef idx="2">
+              <a:schemeClr val="accent1">
+                <a:shade val="50000"/>
+              </a:schemeClr>
+            </a:lnRef>
+            <a:fillRef idx="1">
+              <a:schemeClr val="accent1"/>
+            </a:fillRef>
+            <a:effectRef idx="0">
+              <a:schemeClr val="accent1"/>
+            </a:effectRef>
+            <a:fontRef idx="minor">
+              <a:schemeClr val="lt1"/>
+            </a:fontRef>
+          </p:style>
+        </p:sp>
+        <p:sp>
+          <p:nvSpPr>
+            <p:cNvPr id="51" name="" hidden="0"/>
+            <p:cNvSpPr/>
+            <p:nvPr isPhoto="0" userDrawn="0"/>
+          </p:nvSpPr>
+          <p:spPr bwMode="auto">
+            <a:xfrm flipH="0" flipV="0">
+              <a:off x="905089" y="0"/>
+              <a:ext cx="231188" cy="231188"/>
+            </a:xfrm>
+            <a:prstGeom prst="ellipse">
+              <a:avLst/>
+            </a:prstGeom>
+            <a:solidFill>
+              <a:schemeClr val="bg1">
+                <a:lumMod val="75000"/>
+              </a:schemeClr>
+            </a:solidFill>
+            <a:ln w="12700" cap="flat" cmpd="sng" algn="ctr">
+              <a:noFill/>
+              <a:prstDash val="solid"/>
+              <a:miter/>
+            </a:ln>
+          </p:spPr>
+          <p:style>
+            <a:lnRef idx="2">
+              <a:schemeClr val="accent1">
+                <a:shade val="50000"/>
+              </a:schemeClr>
+            </a:lnRef>
+            <a:fillRef idx="1">
+              <a:schemeClr val="accent1"/>
+            </a:fillRef>
+            <a:effectRef idx="0">
+              <a:schemeClr val="accent1"/>
+            </a:effectRef>
+            <a:fontRef idx="minor">
+              <a:schemeClr val="lt1"/>
+            </a:fontRef>
+          </p:style>
+        </p:sp>
+        <p:sp>
+          <p:nvSpPr>
+            <p:cNvPr id="52" name="" hidden="0"/>
+            <p:cNvSpPr/>
+            <p:nvPr isPhoto="0" userDrawn="0"/>
+          </p:nvSpPr>
+          <p:spPr bwMode="auto">
+            <a:xfrm flipH="0" flipV="0">
+              <a:off x="462377" y="291296"/>
+              <a:ext cx="231188" cy="231188"/>
+            </a:xfrm>
+            <a:prstGeom prst="ellipse">
+              <a:avLst/>
+            </a:prstGeom>
+            <a:solidFill>
+              <a:schemeClr val="bg1">
+                <a:lumMod val="75000"/>
+              </a:schemeClr>
+            </a:solidFill>
+            <a:ln w="12700" cap="flat" cmpd="sng" algn="ctr">
+              <a:noFill/>
+              <a:prstDash val="solid"/>
+              <a:miter/>
+            </a:ln>
+          </p:spPr>
+          <p:style>
+            <a:lnRef idx="2">
+              <a:schemeClr val="accent1">
+                <a:shade val="50000"/>
+              </a:schemeClr>
+            </a:lnRef>
+            <a:fillRef idx="1">
+              <a:schemeClr val="accent1"/>
+            </a:fillRef>
+            <a:effectRef idx="0">
+              <a:schemeClr val="accent1"/>
+            </a:effectRef>
+            <a:fontRef idx="minor">
+              <a:schemeClr val="lt1"/>
+            </a:fontRef>
+          </p:style>
+        </p:sp>
+      </p:grpSp>
+      <p:sp>
+        <p:nvSpPr>
+          <p:cNvPr id="53" name="" hidden="0"/>
+          <p:cNvSpPr/>
+          <p:nvPr isPhoto="0" userDrawn="0"/>
+        </p:nvSpPr>
+        <p:spPr bwMode="auto">
+          <a:xfrm rot="0" flipH="0" flipV="0">
+            <a:off x="2967652" y="1668920"/>
+            <a:ext cx="3852896" cy="1747379"/>
+          </a:xfrm>
+          <a:prstGeom prst="ellipse">
+            <a:avLst/>
+          </a:prstGeom>
+          <a:noFill/>
+          <a:ln w="38099" cap="flat" cmpd="sng" algn="ctr">
+            <a:solidFill>
+              <a:srgbClr val="43739E"/>
+            </a:solidFill>
+            <a:prstDash val="dash"/>
+            <a:miter/>
+          </a:ln>
+        </p:spPr>
+        <p:style>
+          <a:lnRef idx="2">
+            <a:schemeClr val="accent1">
+              <a:shade val="50000"/>
+            </a:schemeClr>
+          </a:lnRef>
+          <a:fillRef idx="1">
+            <a:schemeClr val="accent1"/>
+          </a:fillRef>
+          <a:effectRef idx="0">
+            <a:schemeClr val="accent1"/>
+          </a:effectRef>
+          <a:fontRef idx="minor">
+            <a:schemeClr val="lt1"/>
+          </a:fontRef>
+        </p:style>
+      </p:sp>
+      <p:sp>
+        <p:nvSpPr>
+          <p:cNvPr id="54" name="" hidden="0"/>
+          <p:cNvSpPr/>
+          <p:nvPr isPhoto="0" userDrawn="0"/>
+        </p:nvSpPr>
+        <p:spPr bwMode="auto">
+          <a:xfrm rot="2548881" flipH="0" flipV="0">
+            <a:off x="5932750" y="4312707"/>
+            <a:ext cx="252697" cy="252697"/>
+          </a:xfrm>
+          <a:prstGeom prst="plus">
+            <a:avLst>
+              <a:gd name="adj" fmla="val 38302"/>
+            </a:avLst>
+          </a:prstGeom>
+          <a:solidFill>
+            <a:schemeClr val="accent2"/>
+          </a:solidFill>
+          <a:ln w="12700" cap="flat" cmpd="sng" algn="ctr">
+            <a:noFill/>
+            <a:prstDash val="solid"/>
+            <a:miter/>
+          </a:ln>
+        </p:spPr>
+        <p:style>
+          <a:lnRef idx="2">
+            <a:schemeClr val="accent1">
+              <a:shade val="50000"/>
+            </a:schemeClr>
+          </a:lnRef>
+          <a:fillRef idx="1">
+            <a:schemeClr val="accent1"/>
+          </a:fillRef>
+          <a:effectRef idx="0">
+            <a:schemeClr val="accent1"/>
+          </a:effectRef>
+          <a:fontRef idx="minor">
+            <a:schemeClr val="lt1"/>
+          </a:fontRef>
+        </p:style>
+      </p:sp>
+      <p:sp>
+        <p:nvSpPr>
+          <p:cNvPr id="55" name="" hidden="0"/>
+          <p:cNvSpPr/>
+          <p:nvPr isPhoto="0" userDrawn="0"/>
+        </p:nvSpPr>
+        <p:spPr bwMode="auto">
+          <a:xfrm rot="2548881" flipH="0" flipV="0">
+            <a:off x="4698232" y="2508405"/>
+            <a:ext cx="252697" cy="252697"/>
+          </a:xfrm>
+          <a:prstGeom prst="plus">
+            <a:avLst>
+              <a:gd name="adj" fmla="val 38302"/>
+            </a:avLst>
+          </a:prstGeom>
+          <a:solidFill>
+            <a:schemeClr val="accent2"/>
+          </a:solidFill>
+          <a:ln w="12700" cap="flat" cmpd="sng" algn="ctr">
+            <a:noFill/>
+            <a:prstDash val="solid"/>
+            <a:miter/>
+          </a:ln>
+        </p:spPr>
+        <p:style>
+          <a:lnRef idx="2">
+            <a:schemeClr val="accent1">
+              <a:shade val="50000"/>
+            </a:schemeClr>
+          </a:lnRef>
+          <a:fillRef idx="1">
+            <a:schemeClr val="accent1"/>
+          </a:fillRef>
+          <a:effectRef idx="0">
+            <a:schemeClr val="accent1"/>
+          </a:effectRef>
+          <a:fontRef idx="minor">
+            <a:schemeClr val="lt1"/>
+          </a:fontRef>
+        </p:style>
+      </p:sp>
+      <p:sp>
+        <p:nvSpPr>
+          <p:cNvPr id="56" name="" hidden="0"/>
+          <p:cNvSpPr/>
+          <p:nvPr isPhoto="0" userDrawn="0"/>
+        </p:nvSpPr>
+        <p:spPr bwMode="auto">
+          <a:xfrm flipH="0" flipV="0">
+            <a:off x="4584393" y="3487737"/>
+            <a:ext cx="500062" cy="365795"/>
+          </a:xfrm>
+          <a:prstGeom prst="rect">
+            <a:avLst/>
+          </a:prstGeom>
+          <a:noFill/>
+        </p:spPr>
+        <p:txBody>
+          <a:bodyPr vertOverflow="overflow" horzOverflow="clip" vert="horz" wrap="square" lIns="91440" tIns="45720" rIns="91440" bIns="45720" numCol="1" spcCol="0" rtlCol="0" fromWordArt="0" anchor="ctr" anchorCtr="0" forceAA="0" upright="0" compatLnSpc="0">
+            <a:noAutofit/>
+          </a:bodyPr>
+          <a:p>
+            <a:pPr algn="ctr">
+              <a:defRPr/>
+            </a:pPr>
+            <a:r>
+              <a:rPr sz="2000" b="1">
+                <a:solidFill>
+                  <a:schemeClr val="bg1">
+                    <a:lumMod val="75000"/>
+                  </a:schemeClr>
+                </a:solidFill>
+                <a:latin typeface="Poppins"/>
+                <a:ea typeface="Poppins"/>
+                <a:cs typeface="Poppins"/>
+              </a:rPr>
+              <a:t>vs</a:t>
+            </a:r>
+            <a:endParaRPr sz="2000" b="1">
+              <a:solidFill>
+                <a:schemeClr val="bg1">
+                  <a:lumMod val="75000"/>
+                </a:schemeClr>
+              </a:solidFill>
+              <a:latin typeface="Poppins"/>
+              <a:ea typeface="Poppins"/>
+              <a:cs typeface="Poppins"/>
+            </a:endParaRPr>
+          </a:p>
+        </p:txBody>
+      </p:sp>
+      <p:sp>
+        <p:nvSpPr>
+          <p:cNvPr id="57" name="" hidden="0"/>
+          <p:cNvSpPr/>
+          <p:nvPr isPhoto="0" userDrawn="0"/>
+        </p:nvSpPr>
+        <p:spPr bwMode="auto">
+          <a:xfrm flipH="0" flipV="0">
+            <a:off x="4633544" y="4203364"/>
+            <a:ext cx="348851" cy="365794"/>
+          </a:xfrm>
+          <a:prstGeom prst="rect">
+            <a:avLst/>
+          </a:prstGeom>
+          <a:noFill/>
+        </p:spPr>
+        <p:txBody>
+          <a:bodyPr vertOverflow="overflow" horzOverflow="clip" vert="horz" wrap="square" lIns="91440" tIns="45720" rIns="91440" bIns="45720" numCol="1" spcCol="0" rtlCol="0" fromWordArt="0" anchor="ctr" anchorCtr="0" forceAA="0" upright="0" compatLnSpc="0">
+            <a:noAutofit/>
+          </a:bodyPr>
+          <a:p>
+            <a:pPr algn="ctr">
+              <a:defRPr/>
+            </a:pPr>
+            <a:r>
+              <a:rPr sz="2400" b="1">
+                <a:solidFill>
+                  <a:schemeClr val="bg1">
+                    <a:lumMod val="75000"/>
+                  </a:schemeClr>
+                </a:solidFill>
+                <a:latin typeface="Poppins"/>
+                <a:ea typeface="Poppins"/>
+                <a:cs typeface="Poppins"/>
+              </a:rPr>
+              <a:t>+</a:t>
+            </a:r>
+            <a:endParaRPr sz="2000" b="1">
+              <a:solidFill>
+                <a:schemeClr val="bg1">
+                  <a:lumMod val="75000"/>
+                </a:schemeClr>
+              </a:solidFill>
+              <a:latin typeface="Poppins"/>
+              <a:ea typeface="Poppins"/>
+              <a:cs typeface="Poppins"/>
+            </a:endParaRPr>
+          </a:p>
+        </p:txBody>
+      </p:sp>
+    </p:spTree>
+  </p:cSld>
+  <p:clrMapOvr>
+    <a:masterClrMapping/>
+  </p:clrMapOvr>
+  <mc:AlternateContent xmlns:mc="http://schemas.openxmlformats.org/markup-compatibility/2006">
+    <mc:Choice xmlns:p14="http://schemas.microsoft.com/office/powerpoint/2010/main" Requires="p14">
+      <p:transition p14:dur="2000" advClick="1"/>
+    </mc:Choice>
+    <mc:Fallback>
+      <p:transition advClick="1"/>
+    </mc:Fallback>
+  </mc:AlternateContent>
+</p:sld>
+</file>
+
+<file path=ppt/slides/slide7.xml><?xml version="1.0" encoding="utf-8"?>
+<p:sld xmlns:a="http://schemas.openxmlformats.org/drawingml/2006/main" xmlns:r="http://schemas.openxmlformats.org/officeDocument/2006/relationships" xmlns:p="http://schemas.openxmlformats.org/presentationml/2006/main" xmlns:m="http://schemas.openxmlformats.org/officeDocument/2006/math" xmlns:w="http://schemas.openxmlformats.org/wordprocessingml/2006/main" showMasterPhAnim="0" show="1">
+  <p:cSld name="">
+    <p:bg>
+      <p:bgPr shadeToTitle="0">
+        <a:solidFill>
+          <a:srgbClr val="282A36"/>
+        </a:solidFill>
+      </p:bgPr>
+    </p:bg>
+    <p:spTree>
+      <p:nvGrpSpPr>
+        <p:cNvPr id="1" name="" hidden="0"/>
+        <p:cNvGrpSpPr/>
+        <p:nvPr isPhoto="0" userDrawn="0"/>
+      </p:nvGrpSpPr>
+      <p:grpSpPr bwMode="auto">
+        <a:xfrm>
+          <a:off x="0" y="0"/>
+          <a:ext cx="0" cy="0"/>
+          <a:chOff x="0" y="0"/>
+          <a:chExt cx="0" cy="0"/>
+        </a:xfrm>
+      </p:grpSpPr>
+      <p:sp>
+        <p:nvSpPr>
+          <p:cNvPr id="4" name="" hidden="0"/>
+          <p:cNvSpPr/>
+          <p:nvPr isPhoto="0" userDrawn="0"/>
+        </p:nvSpPr>
+        <p:spPr bwMode="auto">
+          <a:xfrm flipH="0" flipV="0">
+            <a:off x="1441431" y="934004"/>
+            <a:ext cx="2700290" cy="1997474"/>
+          </a:xfrm>
+          <a:prstGeom prst="ellipse">
+            <a:avLst/>
+          </a:prstGeom>
+          <a:noFill/>
+          <a:ln w="38099" cap="flat" cmpd="sng" algn="ctr">
+            <a:solidFill>
+              <a:srgbClr val="43739E"/>
+            </a:solidFill>
+            <a:prstDash val="dash"/>
+            <a:miter/>
+          </a:ln>
+        </p:spPr>
+        <p:style>
+          <a:lnRef idx="2">
+            <a:schemeClr val="accent1">
+              <a:shade val="50000"/>
+            </a:schemeClr>
+          </a:lnRef>
+          <a:fillRef idx="1">
+            <a:schemeClr val="accent1"/>
+          </a:fillRef>
+          <a:effectRef idx="0">
+            <a:schemeClr val="accent1"/>
+          </a:effectRef>
+          <a:fontRef idx="minor">
+            <a:schemeClr val="lt1"/>
+          </a:fontRef>
+        </p:style>
+      </p:sp>
+      <p:sp>
+        <p:nvSpPr>
+          <p:cNvPr id="5" name="" hidden="0"/>
+          <p:cNvSpPr/>
+          <p:nvPr isPhoto="0" userDrawn="0"/>
+        </p:nvSpPr>
+        <p:spPr bwMode="auto">
+          <a:xfrm flipH="0" flipV="0">
+            <a:off x="1700361" y="1632195"/>
+            <a:ext cx="231188" cy="231188"/>
+          </a:xfrm>
+          <a:prstGeom prst="ellipse">
+            <a:avLst/>
+          </a:prstGeom>
+          <a:solidFill>
+            <a:schemeClr val="bg1">
+              <a:lumMod val="75000"/>
+            </a:schemeClr>
+          </a:solidFill>
+          <a:ln w="12700" cap="flat" cmpd="sng" algn="ctr">
+            <a:noFill/>
+            <a:prstDash val="solid"/>
+            <a:miter/>
+          </a:ln>
+        </p:spPr>
+        <p:style>
+          <a:lnRef idx="2">
+            <a:schemeClr val="accent1">
+              <a:shade val="50000"/>
+            </a:schemeClr>
+          </a:lnRef>
+          <a:fillRef idx="1">
+            <a:schemeClr val="accent1"/>
+          </a:fillRef>
+          <a:effectRef idx="0">
+            <a:schemeClr val="accent1"/>
+          </a:effectRef>
+          <a:fontRef idx="minor">
+            <a:schemeClr val="lt1"/>
+          </a:fontRef>
+        </p:style>
+      </p:sp>
+      <p:sp>
+        <p:nvSpPr>
+          <p:cNvPr id="6" name="" hidden="0"/>
+          <p:cNvSpPr/>
+          <p:nvPr isPhoto="0" userDrawn="0"/>
+        </p:nvSpPr>
+        <p:spPr bwMode="auto">
+          <a:xfrm flipH="0" flipV="0">
+            <a:off x="2310701" y="1340897"/>
+            <a:ext cx="231188" cy="231188"/>
+          </a:xfrm>
+          <a:prstGeom prst="ellipse">
+            <a:avLst/>
+          </a:prstGeom>
+          <a:solidFill>
+            <a:schemeClr val="bg1">
+              <a:lumMod val="75000"/>
+            </a:schemeClr>
+          </a:solidFill>
+          <a:ln w="12700" cap="flat" cmpd="sng" algn="ctr">
+            <a:noFill/>
+            <a:prstDash val="solid"/>
+            <a:miter/>
+          </a:ln>
+        </p:spPr>
+        <p:style>
+          <a:lnRef idx="2">
+            <a:schemeClr val="accent1">
+              <a:shade val="50000"/>
+            </a:schemeClr>
+          </a:lnRef>
+          <a:fillRef idx="1">
+            <a:schemeClr val="accent1"/>
+          </a:fillRef>
+          <a:effectRef idx="0">
+            <a:schemeClr val="accent1"/>
+          </a:effectRef>
+          <a:fontRef idx="minor">
+            <a:schemeClr val="lt1"/>
+          </a:fontRef>
+        </p:style>
+      </p:sp>
+      <p:sp>
+        <p:nvSpPr>
+          <p:cNvPr id="7" name="" hidden="0"/>
+          <p:cNvSpPr/>
+          <p:nvPr isPhoto="0" userDrawn="0"/>
+        </p:nvSpPr>
+        <p:spPr bwMode="auto">
+          <a:xfrm flipH="0" flipV="0">
+            <a:off x="2079512" y="1918870"/>
+            <a:ext cx="231188" cy="231188"/>
+          </a:xfrm>
+          <a:prstGeom prst="ellipse">
+            <a:avLst/>
+          </a:prstGeom>
+          <a:solidFill>
+            <a:schemeClr val="bg1">
+              <a:lumMod val="75000"/>
+            </a:schemeClr>
+          </a:solidFill>
+          <a:ln w="12700" cap="flat" cmpd="sng" algn="ctr">
+            <a:noFill/>
+            <a:prstDash val="solid"/>
+            <a:miter/>
+          </a:ln>
+        </p:spPr>
+        <p:style>
+          <a:lnRef idx="2">
+            <a:schemeClr val="accent1">
+              <a:shade val="50000"/>
+            </a:schemeClr>
+          </a:lnRef>
+          <a:fillRef idx="1">
+            <a:schemeClr val="accent1"/>
+          </a:fillRef>
+          <a:effectRef idx="0">
+            <a:schemeClr val="accent1"/>
+          </a:effectRef>
+          <a:fontRef idx="minor">
+            <a:schemeClr val="lt1"/>
+          </a:fontRef>
+        </p:style>
+      </p:sp>
+      <p:sp>
+        <p:nvSpPr>
+          <p:cNvPr id="8" name="" hidden="0"/>
+          <p:cNvSpPr/>
+          <p:nvPr isPhoto="0" userDrawn="0"/>
+        </p:nvSpPr>
+        <p:spPr bwMode="auto">
+          <a:xfrm flipH="0" flipV="0">
+            <a:off x="2477158" y="2316515"/>
+            <a:ext cx="231188" cy="231188"/>
+          </a:xfrm>
+          <a:prstGeom prst="ellipse">
+            <a:avLst/>
+          </a:prstGeom>
+          <a:solidFill>
+            <a:schemeClr val="bg1">
+              <a:lumMod val="75000"/>
+            </a:schemeClr>
+          </a:solidFill>
+          <a:ln w="12700" cap="flat" cmpd="sng" algn="ctr">
+            <a:noFill/>
+            <a:prstDash val="solid"/>
+            <a:miter/>
+          </a:ln>
+        </p:spPr>
+        <p:style>
+          <a:lnRef idx="2">
+            <a:schemeClr val="accent1">
+              <a:shade val="50000"/>
+            </a:schemeClr>
+          </a:lnRef>
+          <a:fillRef idx="1">
+            <a:schemeClr val="accent1"/>
+          </a:fillRef>
+          <a:effectRef idx="0">
+            <a:schemeClr val="accent1"/>
+          </a:effectRef>
+          <a:fontRef idx="minor">
+            <a:schemeClr val="lt1"/>
+          </a:fontRef>
+        </p:style>
+      </p:sp>
+      <p:sp>
+        <p:nvSpPr>
+          <p:cNvPr id="9" name="" hidden="0"/>
+          <p:cNvSpPr/>
+          <p:nvPr isPhoto="0" userDrawn="0"/>
+        </p:nvSpPr>
+        <p:spPr bwMode="auto">
+          <a:xfrm flipH="0" flipV="0">
+            <a:off x="3069003" y="1701553"/>
+            <a:ext cx="231188" cy="231188"/>
+          </a:xfrm>
+          <a:prstGeom prst="ellipse">
+            <a:avLst/>
+          </a:prstGeom>
+          <a:solidFill>
+            <a:schemeClr val="bg1">
+              <a:lumMod val="75000"/>
+            </a:schemeClr>
+          </a:solidFill>
+          <a:ln w="12700" cap="flat" cmpd="sng" algn="ctr">
+            <a:noFill/>
+            <a:prstDash val="solid"/>
+            <a:miter/>
+          </a:ln>
+        </p:spPr>
+        <p:style>
+          <a:lnRef idx="2">
+            <a:schemeClr val="accent1">
+              <a:shade val="50000"/>
+            </a:schemeClr>
+          </a:lnRef>
+          <a:fillRef idx="1">
+            <a:schemeClr val="accent1"/>
+          </a:fillRef>
+          <a:effectRef idx="0">
+            <a:schemeClr val="accent1"/>
+          </a:effectRef>
+          <a:fontRef idx="minor">
+            <a:schemeClr val="lt1"/>
+          </a:fontRef>
+        </p:style>
+      </p:sp>
+      <p:sp>
+        <p:nvSpPr>
+          <p:cNvPr id="10" name="" hidden="0"/>
+          <p:cNvSpPr/>
+          <p:nvPr isPhoto="0" userDrawn="0"/>
+        </p:nvSpPr>
+        <p:spPr bwMode="auto">
+          <a:xfrm flipH="0" flipV="0">
+            <a:off x="3790312" y="2085326"/>
+            <a:ext cx="231188" cy="231188"/>
+          </a:xfrm>
+          <a:prstGeom prst="ellipse">
+            <a:avLst/>
+          </a:prstGeom>
+          <a:solidFill>
+            <a:schemeClr val="bg1">
+              <a:lumMod val="75000"/>
+            </a:schemeClr>
+          </a:solidFill>
+          <a:ln w="12700" cap="flat" cmpd="sng" algn="ctr">
+            <a:noFill/>
+            <a:prstDash val="solid"/>
+            <a:miter/>
+          </a:ln>
+        </p:spPr>
+        <p:style>
+          <a:lnRef idx="2">
+            <a:schemeClr val="accent1">
+              <a:shade val="50000"/>
+            </a:schemeClr>
+          </a:lnRef>
+          <a:fillRef idx="1">
+            <a:schemeClr val="accent1"/>
+          </a:fillRef>
+          <a:effectRef idx="0">
+            <a:schemeClr val="accent1"/>
+          </a:effectRef>
+          <a:fontRef idx="minor">
+            <a:schemeClr val="lt1"/>
+          </a:fontRef>
+        </p:style>
+      </p:sp>
+      <p:sp>
+        <p:nvSpPr>
+          <p:cNvPr id="11" name="" hidden="0"/>
+          <p:cNvSpPr/>
+          <p:nvPr isPhoto="0" userDrawn="0"/>
+        </p:nvSpPr>
+        <p:spPr bwMode="auto">
+          <a:xfrm flipH="0" flipV="0">
+            <a:off x="3443529" y="1470364"/>
+            <a:ext cx="231188" cy="231188"/>
+          </a:xfrm>
+          <a:prstGeom prst="ellipse">
+            <a:avLst/>
+          </a:prstGeom>
+          <a:solidFill>
+            <a:schemeClr val="bg1">
+              <a:lumMod val="75000"/>
+            </a:schemeClr>
+          </a:solidFill>
+          <a:ln w="12700" cap="flat" cmpd="sng" algn="ctr">
+            <a:noFill/>
+            <a:prstDash val="solid"/>
+            <a:miter/>
+          </a:ln>
+        </p:spPr>
+        <p:style>
+          <a:lnRef idx="2">
+            <a:schemeClr val="accent1">
+              <a:shade val="50000"/>
+            </a:schemeClr>
+          </a:lnRef>
+          <a:fillRef idx="1">
+            <a:schemeClr val="accent1"/>
+          </a:fillRef>
+          <a:effectRef idx="0">
+            <a:schemeClr val="accent1"/>
+          </a:effectRef>
+          <a:fontRef idx="minor">
+            <a:schemeClr val="lt1"/>
+          </a:fontRef>
+        </p:style>
+      </p:sp>
+      <p:sp>
+        <p:nvSpPr>
+          <p:cNvPr id="12" name="" hidden="0"/>
+          <p:cNvSpPr/>
+          <p:nvPr isPhoto="0" userDrawn="0"/>
+        </p:nvSpPr>
+        <p:spPr bwMode="auto">
+          <a:xfrm flipH="0" flipV="0">
+            <a:off x="3069003" y="1091212"/>
+            <a:ext cx="231188" cy="231188"/>
+          </a:xfrm>
+          <a:prstGeom prst="ellipse">
+            <a:avLst/>
+          </a:prstGeom>
+          <a:solidFill>
+            <a:schemeClr val="bg1">
+              <a:lumMod val="75000"/>
+            </a:schemeClr>
+          </a:solidFill>
+          <a:ln w="12700" cap="flat" cmpd="sng" algn="ctr">
+            <a:noFill/>
+            <a:prstDash val="solid"/>
+            <a:miter/>
+          </a:ln>
+        </p:spPr>
+        <p:style>
+          <a:lnRef idx="2">
+            <a:schemeClr val="accent1">
+              <a:shade val="50000"/>
+            </a:schemeClr>
+          </a:lnRef>
+          <a:fillRef idx="1">
+            <a:schemeClr val="accent1"/>
+          </a:fillRef>
+          <a:effectRef idx="0">
+            <a:schemeClr val="accent1"/>
+          </a:effectRef>
+          <a:fontRef idx="minor">
+            <a:schemeClr val="lt1"/>
+          </a:fontRef>
+        </p:style>
+      </p:sp>
+      <p:sp>
+        <p:nvSpPr>
+          <p:cNvPr id="13" name="" hidden="0"/>
+          <p:cNvSpPr/>
+          <p:nvPr isPhoto="0" userDrawn="0"/>
+        </p:nvSpPr>
+        <p:spPr bwMode="auto">
+          <a:xfrm flipH="0" flipV="0">
+            <a:off x="3069003" y="2501467"/>
+            <a:ext cx="231188" cy="231188"/>
+          </a:xfrm>
+          <a:prstGeom prst="ellipse">
+            <a:avLst/>
+          </a:prstGeom>
+          <a:solidFill>
+            <a:schemeClr val="bg1">
+              <a:lumMod val="75000"/>
+            </a:schemeClr>
+          </a:solidFill>
+          <a:ln w="12700" cap="flat" cmpd="sng" algn="ctr">
+            <a:noFill/>
+            <a:prstDash val="solid"/>
+            <a:miter/>
+          </a:ln>
+        </p:spPr>
+        <p:style>
+          <a:lnRef idx="2">
+            <a:schemeClr val="accent1">
+              <a:shade val="50000"/>
+            </a:schemeClr>
+          </a:lnRef>
+          <a:fillRef idx="1">
+            <a:schemeClr val="accent1"/>
+          </a:fillRef>
+          <a:effectRef idx="0">
+            <a:schemeClr val="accent1"/>
+          </a:effectRef>
+          <a:fontRef idx="minor">
+            <a:schemeClr val="lt1"/>
+          </a:fontRef>
+        </p:style>
+      </p:sp>
+      <p:cxnSp>
+        <p:nvCxnSpPr>
+          <p:cNvPr id="14" name="" hidden="0"/>
+          <p:cNvCxnSpPr>
+            <a:cxnSpLocks/>
+            <a:endCxn id="10" idx="2"/>
+          </p:cNvCxnSpPr>
+          <p:nvPr isPhoto="0" userDrawn="0"/>
+        </p:nvCxnSpPr>
+        <p:spPr bwMode="auto">
+          <a:xfrm rot="0" flipH="0" flipV="0">
+            <a:off x="1942384" y="1795452"/>
+            <a:ext cx="1847928" cy="405468"/>
+          </a:xfrm>
+          <a:prstGeom prst="line">
+            <a:avLst/>
+          </a:prstGeom>
+          <a:ln w="38099" cap="flat" cmpd="sng" algn="ctr">
+            <a:solidFill>
+              <a:schemeClr val="accent4"/>
+            </a:solidFill>
+            <a:prstDash val="solid"/>
+            <a:miter/>
+            <a:headEnd type="arrow" len="med"/>
+            <a:tailEnd type="arrow" len="med"/>
+          </a:ln>
+        </p:spPr>
+        <p:style>
+          <a:lnRef idx="1">
+            <a:schemeClr val="accent1">
+              <a:shade val="50000"/>
+            </a:schemeClr>
+          </a:lnRef>
+          <a:fillRef idx="0">
+            <a:schemeClr val="accent1"/>
+          </a:fillRef>
+          <a:effectRef idx="0">
+            <a:schemeClr val="accent1"/>
+          </a:effectRef>
+          <a:fontRef idx="minor">
+            <a:schemeClr val="tx1"/>
+          </a:fontRef>
+        </p:style>
+      </p:cxnSp>
+      <p:sp>
+        <p:nvSpPr>
+          <p:cNvPr id="15" name="" hidden="0"/>
+          <p:cNvSpPr/>
+          <p:nvPr isPhoto="0" userDrawn="0"/>
+        </p:nvSpPr>
+        <p:spPr bwMode="auto">
+          <a:xfrm flipH="0" flipV="0">
+            <a:off x="6659194" y="3601929"/>
+            <a:ext cx="2700290" cy="1997474"/>
+          </a:xfrm>
+          <a:prstGeom prst="ellipse">
+            <a:avLst/>
+          </a:prstGeom>
+          <a:noFill/>
+          <a:ln w="38099" cap="flat" cmpd="sng" algn="ctr">
+            <a:solidFill>
+              <a:srgbClr val="43739E"/>
+            </a:solidFill>
+            <a:prstDash val="dash"/>
+            <a:miter/>
+          </a:ln>
+        </p:spPr>
+        <p:style>
+          <a:lnRef idx="2">
+            <a:schemeClr val="accent1">
+              <a:shade val="50000"/>
+            </a:schemeClr>
+          </a:lnRef>
+          <a:fillRef idx="1">
+            <a:schemeClr val="accent1"/>
+          </a:fillRef>
+          <a:effectRef idx="0">
+            <a:schemeClr val="accent1"/>
+          </a:effectRef>
+          <a:fontRef idx="minor">
+            <a:schemeClr val="lt1"/>
+          </a:fontRef>
+        </p:style>
+      </p:sp>
+      <p:sp>
+        <p:nvSpPr>
+          <p:cNvPr id="16" name="" hidden="0"/>
+          <p:cNvSpPr/>
+          <p:nvPr isPhoto="0" userDrawn="0"/>
+        </p:nvSpPr>
+        <p:spPr bwMode="auto">
+          <a:xfrm flipH="0" flipV="0">
+            <a:off x="6918125" y="4300120"/>
+            <a:ext cx="231188" cy="231188"/>
+          </a:xfrm>
+          <a:prstGeom prst="ellipse">
+            <a:avLst/>
+          </a:prstGeom>
+          <a:solidFill>
+            <a:schemeClr val="bg1">
+              <a:lumMod val="75000"/>
+            </a:schemeClr>
+          </a:solidFill>
+          <a:ln w="12700" cap="flat" cmpd="sng" algn="ctr">
+            <a:noFill/>
+            <a:prstDash val="solid"/>
+            <a:miter/>
+          </a:ln>
+        </p:spPr>
+        <p:style>
+          <a:lnRef idx="2">
+            <a:schemeClr val="accent1">
+              <a:shade val="50000"/>
+            </a:schemeClr>
+          </a:lnRef>
+          <a:fillRef idx="1">
+            <a:schemeClr val="accent1"/>
+          </a:fillRef>
+          <a:effectRef idx="0">
+            <a:schemeClr val="accent1"/>
+          </a:effectRef>
+          <a:fontRef idx="minor">
+            <a:schemeClr val="lt1"/>
+          </a:fontRef>
+        </p:style>
+      </p:sp>
+      <p:sp>
+        <p:nvSpPr>
+          <p:cNvPr id="17" name="" hidden="0"/>
+          <p:cNvSpPr/>
+          <p:nvPr isPhoto="0" userDrawn="0"/>
+        </p:nvSpPr>
+        <p:spPr bwMode="auto">
+          <a:xfrm flipH="0" flipV="0">
+            <a:off x="7694921" y="4984440"/>
+            <a:ext cx="231188" cy="231188"/>
+          </a:xfrm>
+          <a:prstGeom prst="ellipse">
+            <a:avLst/>
+          </a:prstGeom>
+          <a:solidFill>
+            <a:schemeClr val="bg1">
+              <a:lumMod val="75000"/>
+            </a:schemeClr>
+          </a:solidFill>
+          <a:ln w="12700" cap="flat" cmpd="sng" algn="ctr">
+            <a:noFill/>
+            <a:prstDash val="solid"/>
+            <a:miter/>
+          </a:ln>
+        </p:spPr>
+        <p:style>
+          <a:lnRef idx="2">
+            <a:schemeClr val="accent1">
+              <a:shade val="50000"/>
+            </a:schemeClr>
+          </a:lnRef>
+          <a:fillRef idx="1">
+            <a:schemeClr val="accent1"/>
+          </a:fillRef>
+          <a:effectRef idx="0">
+            <a:schemeClr val="accent1"/>
+          </a:effectRef>
+          <a:fontRef idx="minor">
+            <a:schemeClr val="lt1"/>
+          </a:fontRef>
+        </p:style>
+      </p:sp>
+      <p:sp>
+        <p:nvSpPr>
+          <p:cNvPr id="18" name="" hidden="0"/>
+          <p:cNvSpPr/>
+          <p:nvPr isPhoto="0" userDrawn="0"/>
+        </p:nvSpPr>
+        <p:spPr bwMode="auto">
+          <a:xfrm flipH="0" flipV="0">
+            <a:off x="8286766" y="4369478"/>
+            <a:ext cx="231188" cy="231188"/>
+          </a:xfrm>
+          <a:prstGeom prst="ellipse">
+            <a:avLst/>
+          </a:prstGeom>
+          <a:solidFill>
+            <a:schemeClr val="bg1">
+              <a:lumMod val="75000"/>
+            </a:schemeClr>
+          </a:solidFill>
+          <a:ln w="12700" cap="flat" cmpd="sng" algn="ctr">
+            <a:noFill/>
+            <a:prstDash val="solid"/>
+            <a:miter/>
+          </a:ln>
+        </p:spPr>
+        <p:style>
+          <a:lnRef idx="2">
+            <a:schemeClr val="accent1">
+              <a:shade val="50000"/>
+            </a:schemeClr>
+          </a:lnRef>
+          <a:fillRef idx="1">
+            <a:schemeClr val="accent1"/>
+          </a:fillRef>
+          <a:effectRef idx="0">
+            <a:schemeClr val="accent1"/>
+          </a:effectRef>
+          <a:fontRef idx="minor">
+            <a:schemeClr val="lt1"/>
+          </a:fontRef>
+        </p:style>
+      </p:sp>
+      <p:sp>
+        <p:nvSpPr>
+          <p:cNvPr id="19" name="" hidden="0"/>
+          <p:cNvSpPr/>
+          <p:nvPr isPhoto="0" userDrawn="0"/>
+        </p:nvSpPr>
+        <p:spPr bwMode="auto">
+          <a:xfrm flipH="0" flipV="0">
+            <a:off x="9008076" y="4753251"/>
+            <a:ext cx="231188" cy="231188"/>
+          </a:xfrm>
+          <a:prstGeom prst="ellipse">
+            <a:avLst/>
+          </a:prstGeom>
+          <a:solidFill>
+            <a:schemeClr val="bg1">
+              <a:lumMod val="75000"/>
+            </a:schemeClr>
+          </a:solidFill>
+          <a:ln w="12700" cap="flat" cmpd="sng" algn="ctr">
+            <a:noFill/>
+            <a:prstDash val="solid"/>
+            <a:miter/>
+          </a:ln>
+        </p:spPr>
+        <p:style>
+          <a:lnRef idx="2">
+            <a:schemeClr val="accent1">
+              <a:shade val="50000"/>
+            </a:schemeClr>
+          </a:lnRef>
+          <a:fillRef idx="1">
+            <a:schemeClr val="accent1"/>
+          </a:fillRef>
+          <a:effectRef idx="0">
+            <a:schemeClr val="accent1"/>
+          </a:effectRef>
+          <a:fontRef idx="minor">
+            <a:schemeClr val="lt1"/>
+          </a:fontRef>
+        </p:style>
+      </p:sp>
+      <p:sp>
+        <p:nvSpPr>
+          <p:cNvPr id="20" name="" hidden="0"/>
+          <p:cNvSpPr/>
+          <p:nvPr isPhoto="0" userDrawn="0"/>
+        </p:nvSpPr>
+        <p:spPr bwMode="auto">
+          <a:xfrm flipH="0" flipV="0">
+            <a:off x="8286766" y="3759137"/>
+            <a:ext cx="231188" cy="231188"/>
+          </a:xfrm>
+          <a:prstGeom prst="ellipse">
+            <a:avLst/>
+          </a:prstGeom>
+          <a:solidFill>
+            <a:schemeClr val="bg1">
+              <a:lumMod val="75000"/>
+            </a:schemeClr>
+          </a:solidFill>
+          <a:ln w="12700" cap="flat" cmpd="sng" algn="ctr">
+            <a:noFill/>
+            <a:prstDash val="solid"/>
+            <a:miter/>
+          </a:ln>
+        </p:spPr>
+        <p:style>
+          <a:lnRef idx="2">
+            <a:schemeClr val="accent1">
+              <a:shade val="50000"/>
+            </a:schemeClr>
+          </a:lnRef>
+          <a:fillRef idx="1">
+            <a:schemeClr val="accent1"/>
+          </a:fillRef>
+          <a:effectRef idx="0">
+            <a:schemeClr val="accent1"/>
+          </a:effectRef>
+          <a:fontRef idx="minor">
+            <a:schemeClr val="lt1"/>
+          </a:fontRef>
+        </p:style>
+      </p:sp>
+      <p:cxnSp>
+        <p:nvCxnSpPr>
+          <p:cNvPr id="21" name="" hidden="0"/>
+          <p:cNvCxnSpPr>
+            <a:cxnSpLocks/>
+          </p:cNvCxnSpPr>
+          <p:nvPr isPhoto="0" userDrawn="0"/>
+        </p:nvCxnSpPr>
+        <p:spPr bwMode="auto">
+          <a:xfrm rot="5399977" flipH="0" flipV="1">
+            <a:off x="7712336" y="3938221"/>
+            <a:ext cx="51288" cy="1025768"/>
+          </a:xfrm>
+          <a:prstGeom prst="line">
+            <a:avLst/>
+          </a:prstGeom>
+          <a:ln w="38099" cap="flat" cmpd="sng" algn="ctr">
+            <a:solidFill>
+              <a:schemeClr val="bg1">
+                <a:lumMod val="74901"/>
+              </a:schemeClr>
+            </a:solidFill>
+            <a:prstDash val="solid"/>
+            <a:miter/>
+            <a:headEnd type="arrow" len="med"/>
+            <a:tailEnd type="arrow" len="med"/>
+          </a:ln>
+        </p:spPr>
+        <p:style>
+          <a:lnRef idx="1">
+            <a:schemeClr val="accent1">
+              <a:shade val="50000"/>
+            </a:schemeClr>
+          </a:lnRef>
+          <a:fillRef idx="0">
+            <a:schemeClr val="accent1"/>
+          </a:fillRef>
+          <a:effectRef idx="0">
+            <a:schemeClr val="accent1"/>
+          </a:effectRef>
+          <a:fontRef idx="minor">
+            <a:schemeClr val="tx1"/>
+          </a:fontRef>
+        </p:style>
+      </p:cxnSp>
+      <p:cxnSp>
+        <p:nvCxnSpPr>
+          <p:cNvPr id="22" name="" hidden="0"/>
+          <p:cNvCxnSpPr>
+            <a:cxnSpLocks/>
+          </p:cNvCxnSpPr>
+          <p:nvPr isPhoto="0" userDrawn="0"/>
+        </p:nvCxnSpPr>
+        <p:spPr bwMode="auto">
+          <a:xfrm rot="5399977" flipH="1" flipV="1">
+            <a:off x="7525499" y="3641480"/>
+            <a:ext cx="395653" cy="1011115"/>
+          </a:xfrm>
+          <a:prstGeom prst="line">
+            <a:avLst/>
+          </a:prstGeom>
+          <a:ln w="38099" cap="flat" cmpd="sng" algn="ctr">
+            <a:solidFill>
+              <a:schemeClr val="bg1">
+                <a:lumMod val="74901"/>
+              </a:schemeClr>
+            </a:solidFill>
+            <a:prstDash val="solid"/>
+            <a:miter/>
+            <a:headEnd type="arrow" len="med"/>
+            <a:tailEnd type="arrow" len="med"/>
+          </a:ln>
+        </p:spPr>
+        <p:style>
+          <a:lnRef idx="1">
+            <a:schemeClr val="accent1">
+              <a:shade val="50000"/>
+            </a:schemeClr>
+          </a:lnRef>
+          <a:fillRef idx="0">
+            <a:schemeClr val="accent1"/>
+          </a:fillRef>
+          <a:effectRef idx="0">
+            <a:schemeClr val="accent1"/>
+          </a:effectRef>
+          <a:fontRef idx="minor">
+            <a:schemeClr val="tx1"/>
+          </a:fontRef>
+        </p:style>
+      </p:cxnSp>
+      <p:cxnSp>
+        <p:nvCxnSpPr>
+          <p:cNvPr id="23" name="" hidden="0"/>
+          <p:cNvCxnSpPr>
+            <a:cxnSpLocks/>
+          </p:cNvCxnSpPr>
+          <p:nvPr isPhoto="0" userDrawn="0"/>
+        </p:nvCxnSpPr>
+        <p:spPr bwMode="auto">
+          <a:xfrm rot="5399977" flipH="0" flipV="1">
+            <a:off x="7203115" y="4498730"/>
+            <a:ext cx="446942" cy="520211"/>
+          </a:xfrm>
+          <a:prstGeom prst="line">
+            <a:avLst/>
+          </a:prstGeom>
+          <a:ln w="38099" cap="flat" cmpd="sng" algn="ctr">
+            <a:solidFill>
+              <a:schemeClr val="bg1">
+                <a:lumMod val="74901"/>
+              </a:schemeClr>
+            </a:solidFill>
+            <a:prstDash val="solid"/>
+            <a:miter/>
+            <a:headEnd type="arrow" len="med"/>
+            <a:tailEnd type="arrow" len="med"/>
+          </a:ln>
+        </p:spPr>
+        <p:style>
+          <a:lnRef idx="1">
+            <a:schemeClr val="accent1">
+              <a:shade val="50000"/>
+            </a:schemeClr>
+          </a:lnRef>
+          <a:fillRef idx="0">
+            <a:schemeClr val="accent1"/>
+          </a:fillRef>
+          <a:effectRef idx="0">
+            <a:schemeClr val="accent1"/>
+          </a:effectRef>
+          <a:fontRef idx="minor">
+            <a:schemeClr val="tx1"/>
+          </a:fontRef>
+        </p:style>
+      </p:cxnSp>
+      <p:cxnSp>
+        <p:nvCxnSpPr>
+          <p:cNvPr id="24" name="" hidden="0"/>
+          <p:cNvCxnSpPr>
+            <a:cxnSpLocks/>
+          </p:cNvCxnSpPr>
+          <p:nvPr isPhoto="0" userDrawn="0"/>
+        </p:nvCxnSpPr>
+        <p:spPr bwMode="auto">
+          <a:xfrm rot="5399977" flipH="0" flipV="1">
+            <a:off x="7888182" y="3777028"/>
+            <a:ext cx="359019" cy="1743807"/>
+          </a:xfrm>
+          <a:prstGeom prst="line">
+            <a:avLst/>
+          </a:prstGeom>
+          <a:ln w="38099" cap="flat" cmpd="sng" algn="ctr">
+            <a:solidFill>
+              <a:schemeClr val="bg1">
+                <a:lumMod val="74901"/>
+              </a:schemeClr>
+            </a:solidFill>
+            <a:prstDash val="solid"/>
+            <a:miter/>
+            <a:headEnd type="arrow" len="med"/>
+            <a:tailEnd type="arrow" len="med"/>
+          </a:ln>
+        </p:spPr>
+        <p:style>
+          <a:lnRef idx="1">
+            <a:schemeClr val="accent1">
+              <a:shade val="50000"/>
+            </a:schemeClr>
+          </a:lnRef>
+          <a:fillRef idx="0">
+            <a:schemeClr val="accent1"/>
+          </a:fillRef>
+          <a:effectRef idx="0">
+            <a:schemeClr val="accent1"/>
+          </a:effectRef>
+          <a:fontRef idx="minor">
+            <a:schemeClr val="tx1"/>
+          </a:fontRef>
+        </p:style>
+      </p:cxnSp>
+      <p:cxnSp>
+        <p:nvCxnSpPr>
+          <p:cNvPr id="25" name="" hidden="0"/>
+          <p:cNvCxnSpPr>
+            <a:cxnSpLocks/>
+          </p:cNvCxnSpPr>
+          <p:nvPr isPhoto="0" userDrawn="0"/>
+        </p:nvCxnSpPr>
+        <p:spPr bwMode="auto">
+          <a:xfrm rot="5399977" flipH="1" flipV="1">
+            <a:off x="7650057" y="4271595"/>
+            <a:ext cx="893884" cy="424961"/>
+          </a:xfrm>
+          <a:prstGeom prst="line">
+            <a:avLst/>
+          </a:prstGeom>
+          <a:ln w="38099" cap="flat" cmpd="sng" algn="ctr">
+            <a:solidFill>
+              <a:schemeClr val="bg1">
+                <a:lumMod val="74901"/>
+              </a:schemeClr>
+            </a:solidFill>
+            <a:prstDash val="solid"/>
+            <a:miter/>
+            <a:headEnd type="arrow" len="med"/>
+            <a:tailEnd type="arrow" len="med"/>
+          </a:ln>
+        </p:spPr>
+        <p:style>
+          <a:lnRef idx="1">
+            <a:schemeClr val="accent1">
+              <a:shade val="50000"/>
+            </a:schemeClr>
+          </a:lnRef>
+          <a:fillRef idx="0">
+            <a:schemeClr val="accent1"/>
+          </a:fillRef>
+          <a:effectRef idx="0">
+            <a:schemeClr val="accent1"/>
+          </a:effectRef>
+          <a:fontRef idx="minor">
+            <a:schemeClr val="tx1"/>
+          </a:fontRef>
+        </p:style>
+      </p:cxnSp>
+      <p:cxnSp>
+        <p:nvCxnSpPr>
+          <p:cNvPr id="26" name="" hidden="0"/>
+          <p:cNvCxnSpPr>
+            <a:cxnSpLocks/>
+          </p:cNvCxnSpPr>
+          <p:nvPr isPhoto="0" userDrawn="0"/>
+        </p:nvCxnSpPr>
+        <p:spPr bwMode="auto">
+          <a:xfrm rot="5399977" flipH="1" flipV="0">
+            <a:off x="8419384" y="4117730"/>
+            <a:ext cx="681403" cy="505557"/>
+          </a:xfrm>
+          <a:prstGeom prst="line">
+            <a:avLst/>
+          </a:prstGeom>
+          <a:ln w="38099" cap="flat" cmpd="sng" algn="ctr">
+            <a:solidFill>
+              <a:schemeClr val="bg1">
+                <a:lumMod val="74901"/>
+              </a:schemeClr>
+            </a:solidFill>
+            <a:prstDash val="solid"/>
+            <a:miter/>
+            <a:headEnd type="arrow" len="med"/>
+            <a:tailEnd type="arrow" len="med"/>
+          </a:ln>
+        </p:spPr>
+        <p:style>
+          <a:lnRef idx="1">
+            <a:schemeClr val="accent1">
+              <a:shade val="50000"/>
+            </a:schemeClr>
+          </a:lnRef>
+          <a:fillRef idx="0">
+            <a:schemeClr val="accent1"/>
+          </a:fillRef>
+          <a:effectRef idx="0">
+            <a:schemeClr val="accent1"/>
+          </a:effectRef>
+          <a:fontRef idx="minor">
+            <a:schemeClr val="tx1"/>
+          </a:fontRef>
+        </p:style>
+      </p:cxnSp>
+      <p:cxnSp>
+        <p:nvCxnSpPr>
+          <p:cNvPr id="27" name="" hidden="0"/>
+          <p:cNvCxnSpPr>
+            <a:cxnSpLocks/>
+          </p:cNvCxnSpPr>
+          <p:nvPr isPhoto="0" userDrawn="0"/>
+        </p:nvCxnSpPr>
+        <p:spPr bwMode="auto">
+          <a:xfrm rot="5399977" flipH="1" flipV="0">
+            <a:off x="8302153" y="4183673"/>
+            <a:ext cx="249115" cy="14653"/>
+          </a:xfrm>
+          <a:prstGeom prst="line">
+            <a:avLst/>
+          </a:prstGeom>
+          <a:ln w="38099" cap="flat" cmpd="sng" algn="ctr">
+            <a:solidFill>
+              <a:schemeClr val="bg1">
+                <a:lumMod val="74901"/>
+              </a:schemeClr>
+            </a:solidFill>
+            <a:prstDash val="solid"/>
+            <a:miter/>
+            <a:headEnd type="arrow" len="med"/>
+            <a:tailEnd type="arrow" len="med"/>
+          </a:ln>
+        </p:spPr>
+        <p:style>
+          <a:lnRef idx="1">
+            <a:schemeClr val="accent1">
+              <a:shade val="50000"/>
+            </a:schemeClr>
+          </a:lnRef>
+          <a:fillRef idx="0">
+            <a:schemeClr val="accent1"/>
+          </a:fillRef>
+          <a:effectRef idx="0">
+            <a:schemeClr val="accent1"/>
+          </a:effectRef>
+          <a:fontRef idx="minor">
+            <a:schemeClr val="tx1"/>
+          </a:fontRef>
+        </p:style>
+      </p:cxnSp>
+      <p:cxnSp>
+        <p:nvCxnSpPr>
+          <p:cNvPr id="28" name="" hidden="0"/>
+          <p:cNvCxnSpPr>
+            <a:cxnSpLocks/>
+          </p:cNvCxnSpPr>
+          <p:nvPr isPhoto="0" userDrawn="0"/>
+        </p:nvCxnSpPr>
+        <p:spPr bwMode="auto">
+          <a:xfrm rot="5399977" flipH="1" flipV="0">
+            <a:off x="8646518" y="4462095"/>
+            <a:ext cx="219806" cy="410307"/>
+          </a:xfrm>
+          <a:prstGeom prst="line">
+            <a:avLst/>
+          </a:prstGeom>
+          <a:ln w="38099" cap="flat" cmpd="sng" algn="ctr">
+            <a:solidFill>
+              <a:schemeClr val="bg1">
+                <a:lumMod val="74901"/>
+              </a:schemeClr>
+            </a:solidFill>
+            <a:prstDash val="solid"/>
+            <a:miter/>
+            <a:headEnd type="arrow" len="med"/>
+            <a:tailEnd type="arrow" len="med"/>
+          </a:ln>
+        </p:spPr>
+        <p:style>
+          <a:lnRef idx="1">
+            <a:schemeClr val="accent1">
+              <a:shade val="50000"/>
+            </a:schemeClr>
+          </a:lnRef>
+          <a:fillRef idx="0">
+            <a:schemeClr val="accent1"/>
+          </a:fillRef>
+          <a:effectRef idx="0">
+            <a:schemeClr val="accent1"/>
+          </a:effectRef>
+          <a:fontRef idx="minor">
+            <a:schemeClr val="tx1"/>
+          </a:fontRef>
+        </p:style>
+      </p:cxnSp>
+      <p:cxnSp>
+        <p:nvCxnSpPr>
+          <p:cNvPr id="29" name="" hidden="0"/>
+          <p:cNvCxnSpPr>
+            <a:cxnSpLocks/>
+          </p:cNvCxnSpPr>
+          <p:nvPr isPhoto="0" userDrawn="0"/>
+        </p:nvCxnSpPr>
+        <p:spPr bwMode="auto">
+          <a:xfrm rot="5399977" flipH="0" flipV="0">
+            <a:off x="8393740" y="4495067"/>
+            <a:ext cx="153865" cy="981807"/>
+          </a:xfrm>
+          <a:prstGeom prst="line">
+            <a:avLst/>
+          </a:prstGeom>
+          <a:ln w="38099" cap="flat" cmpd="sng" algn="ctr">
+            <a:solidFill>
+              <a:schemeClr val="bg1">
+                <a:lumMod val="74901"/>
+              </a:schemeClr>
+            </a:solidFill>
+            <a:prstDash val="solid"/>
+            <a:miter/>
+            <a:headEnd type="arrow" len="med"/>
+            <a:tailEnd type="arrow" len="med"/>
+          </a:ln>
+        </p:spPr>
+        <p:style>
+          <a:lnRef idx="1">
+            <a:schemeClr val="accent1">
+              <a:shade val="50000"/>
+            </a:schemeClr>
+          </a:lnRef>
+          <a:fillRef idx="0">
+            <a:schemeClr val="accent1"/>
+          </a:fillRef>
+          <a:effectRef idx="0">
+            <a:schemeClr val="accent1"/>
+          </a:effectRef>
+          <a:fontRef idx="minor">
+            <a:schemeClr val="tx1"/>
+          </a:fontRef>
+        </p:style>
+      </p:cxnSp>
+      <p:cxnSp>
+        <p:nvCxnSpPr>
+          <p:cNvPr id="30" name="" hidden="0"/>
+          <p:cNvCxnSpPr>
+            <a:cxnSpLocks/>
+          </p:cNvCxnSpPr>
+          <p:nvPr isPhoto="0" userDrawn="0"/>
+        </p:nvCxnSpPr>
+        <p:spPr bwMode="auto">
+          <a:xfrm rot="5399977" flipH="0" flipV="0">
+            <a:off x="7950461" y="4608634"/>
+            <a:ext cx="329711" cy="373672"/>
+          </a:xfrm>
+          <a:prstGeom prst="line">
+            <a:avLst/>
+          </a:prstGeom>
+          <a:ln w="38099" cap="flat" cmpd="sng" algn="ctr">
+            <a:solidFill>
+              <a:schemeClr val="bg1">
+                <a:lumMod val="74901"/>
+              </a:schemeClr>
+            </a:solidFill>
+            <a:prstDash val="solid"/>
+            <a:miter/>
+            <a:headEnd type="arrow" len="med"/>
+            <a:tailEnd type="arrow" len="med"/>
+          </a:ln>
+        </p:spPr>
+        <p:style>
+          <a:lnRef idx="1">
+            <a:schemeClr val="accent1">
+              <a:shade val="50000"/>
+            </a:schemeClr>
+          </a:lnRef>
+          <a:fillRef idx="0">
+            <a:schemeClr val="accent1"/>
+          </a:fillRef>
+          <a:effectRef idx="0">
+            <a:schemeClr val="accent1"/>
+          </a:effectRef>
+          <a:fontRef idx="minor">
+            <a:schemeClr val="tx1"/>
+          </a:fontRef>
+        </p:style>
+      </p:cxnSp>
+      <p:sp>
+        <p:nvSpPr>
+          <p:cNvPr id="31" name="" hidden="0"/>
+          <p:cNvSpPr/>
+          <p:nvPr isPhoto="0" userDrawn="0"/>
+        </p:nvSpPr>
+        <p:spPr bwMode="auto">
+          <a:xfrm flipH="0" flipV="0">
+            <a:off x="6117003" y="1081967"/>
+            <a:ext cx="2700290" cy="1997474"/>
+          </a:xfrm>
+          <a:prstGeom prst="ellipse">
+            <a:avLst/>
+          </a:prstGeom>
+          <a:noFill/>
+          <a:ln w="38099" cap="flat" cmpd="sng" algn="ctr">
+            <a:solidFill>
+              <a:srgbClr val="43739E"/>
+            </a:solidFill>
+            <a:prstDash val="dash"/>
+            <a:miter/>
+          </a:ln>
+        </p:spPr>
+        <p:style>
+          <a:lnRef idx="2">
+            <a:schemeClr val="accent1">
+              <a:shade val="50000"/>
+            </a:schemeClr>
+          </a:lnRef>
+          <a:fillRef idx="1">
+            <a:schemeClr val="accent1"/>
+          </a:fillRef>
+          <a:effectRef idx="0">
+            <a:schemeClr val="accent1"/>
+          </a:effectRef>
+          <a:fontRef idx="minor">
+            <a:schemeClr val="lt1"/>
+          </a:fontRef>
+        </p:style>
+      </p:sp>
+      <p:sp>
+        <p:nvSpPr>
+          <p:cNvPr id="32" name="" hidden="0"/>
+          <p:cNvSpPr/>
+          <p:nvPr isPhoto="0" userDrawn="0"/>
+        </p:nvSpPr>
+        <p:spPr bwMode="auto">
+          <a:xfrm flipH="0" flipV="0">
+            <a:off x="6375933" y="1780158"/>
+            <a:ext cx="231188" cy="231188"/>
+          </a:xfrm>
+          <a:prstGeom prst="ellipse">
+            <a:avLst/>
+          </a:prstGeom>
+          <a:solidFill>
+            <a:schemeClr val="bg1">
+              <a:lumMod val="75000"/>
+            </a:schemeClr>
+          </a:solidFill>
+          <a:ln w="12700" cap="flat" cmpd="sng" algn="ctr">
+            <a:noFill/>
+            <a:prstDash val="solid"/>
+            <a:miter/>
+          </a:ln>
+        </p:spPr>
+        <p:style>
+          <a:lnRef idx="2">
+            <a:schemeClr val="accent1">
+              <a:shade val="50000"/>
+            </a:schemeClr>
+          </a:lnRef>
+          <a:fillRef idx="1">
+            <a:schemeClr val="accent1"/>
+          </a:fillRef>
+          <a:effectRef idx="0">
+            <a:schemeClr val="accent1"/>
+          </a:effectRef>
+          <a:fontRef idx="minor">
+            <a:schemeClr val="lt1"/>
+          </a:fontRef>
+        </p:style>
+      </p:sp>
+      <p:sp>
+        <p:nvSpPr>
+          <p:cNvPr id="33" name="" hidden="0"/>
+          <p:cNvSpPr/>
+          <p:nvPr isPhoto="0" userDrawn="0"/>
+        </p:nvSpPr>
+        <p:spPr bwMode="auto">
+          <a:xfrm flipH="0" flipV="0">
+            <a:off x="7152729" y="2464479"/>
+            <a:ext cx="231188" cy="231188"/>
+          </a:xfrm>
+          <a:prstGeom prst="ellipse">
+            <a:avLst/>
+          </a:prstGeom>
+          <a:solidFill>
+            <a:schemeClr val="bg1">
+              <a:lumMod val="75000"/>
+            </a:schemeClr>
+          </a:solidFill>
+          <a:ln w="12700" cap="flat" cmpd="sng" algn="ctr">
+            <a:noFill/>
+            <a:prstDash val="solid"/>
+            <a:miter/>
+          </a:ln>
+        </p:spPr>
+        <p:style>
+          <a:lnRef idx="2">
+            <a:schemeClr val="accent1">
+              <a:shade val="50000"/>
+            </a:schemeClr>
+          </a:lnRef>
+          <a:fillRef idx="1">
+            <a:schemeClr val="accent1"/>
+          </a:fillRef>
+          <a:effectRef idx="0">
+            <a:schemeClr val="accent1"/>
+          </a:effectRef>
+          <a:fontRef idx="minor">
+            <a:schemeClr val="lt1"/>
+          </a:fontRef>
+        </p:style>
+      </p:sp>
+      <p:sp>
+        <p:nvSpPr>
+          <p:cNvPr id="34" name="" hidden="0"/>
+          <p:cNvSpPr/>
+          <p:nvPr isPhoto="0" userDrawn="0"/>
+        </p:nvSpPr>
+        <p:spPr bwMode="auto">
+          <a:xfrm flipH="0" flipV="0">
+            <a:off x="8465884" y="2233289"/>
+            <a:ext cx="231188" cy="231188"/>
+          </a:xfrm>
+          <a:prstGeom prst="ellipse">
+            <a:avLst/>
+          </a:prstGeom>
+          <a:solidFill>
+            <a:schemeClr val="bg1">
+              <a:lumMod val="75000"/>
+            </a:schemeClr>
+          </a:solidFill>
+          <a:ln w="12700" cap="flat" cmpd="sng" algn="ctr">
+            <a:noFill/>
+            <a:prstDash val="solid"/>
+            <a:miter/>
+          </a:ln>
+        </p:spPr>
+        <p:style>
+          <a:lnRef idx="2">
+            <a:schemeClr val="accent1">
+              <a:shade val="50000"/>
+            </a:schemeClr>
+          </a:lnRef>
+          <a:fillRef idx="1">
+            <a:schemeClr val="accent1"/>
+          </a:fillRef>
+          <a:effectRef idx="0">
+            <a:schemeClr val="accent1"/>
+          </a:effectRef>
+          <a:fontRef idx="minor">
+            <a:schemeClr val="lt1"/>
+          </a:fontRef>
+        </p:style>
+      </p:sp>
+      <p:sp>
+        <p:nvSpPr>
+          <p:cNvPr id="35" name="" hidden="0"/>
+          <p:cNvSpPr/>
+          <p:nvPr isPhoto="0" userDrawn="0"/>
+        </p:nvSpPr>
+        <p:spPr bwMode="auto">
+          <a:xfrm flipH="0" flipV="0">
+            <a:off x="7744574" y="1239175"/>
+            <a:ext cx="231188" cy="231188"/>
+          </a:xfrm>
+          <a:prstGeom prst="ellipse">
+            <a:avLst/>
+          </a:prstGeom>
+          <a:solidFill>
+            <a:schemeClr val="bg1">
+              <a:lumMod val="75000"/>
+            </a:schemeClr>
+          </a:solidFill>
+          <a:ln w="12700" cap="flat" cmpd="sng" algn="ctr">
+            <a:noFill/>
+            <a:prstDash val="solid"/>
+            <a:miter/>
+          </a:ln>
+        </p:spPr>
+        <p:style>
+          <a:lnRef idx="2">
+            <a:schemeClr val="accent1">
+              <a:shade val="50000"/>
+            </a:schemeClr>
+          </a:lnRef>
+          <a:fillRef idx="1">
+            <a:schemeClr val="accent1"/>
+          </a:fillRef>
+          <a:effectRef idx="0">
+            <a:schemeClr val="accent1"/>
+          </a:effectRef>
+          <a:fontRef idx="minor">
+            <a:schemeClr val="lt1"/>
+          </a:fontRef>
+        </p:style>
+      </p:sp>
+      <p:cxnSp>
+        <p:nvCxnSpPr>
+          <p:cNvPr id="36" name="" hidden="0"/>
+          <p:cNvCxnSpPr>
+            <a:cxnSpLocks/>
+          </p:cNvCxnSpPr>
+          <p:nvPr isPhoto="0" userDrawn="0"/>
+        </p:nvCxnSpPr>
+        <p:spPr bwMode="auto">
+          <a:xfrm rot="5399977" flipH="0" flipV="1">
+            <a:off x="7170143" y="1418258"/>
+            <a:ext cx="51287" cy="1025768"/>
+          </a:xfrm>
+          <a:prstGeom prst="line">
+            <a:avLst/>
+          </a:prstGeom>
+          <a:ln w="38099" cap="flat" cmpd="sng" algn="ctr">
+            <a:solidFill>
+              <a:schemeClr val="bg1">
+                <a:lumMod val="74901"/>
+              </a:schemeClr>
+            </a:solidFill>
+            <a:prstDash val="solid"/>
+            <a:miter/>
+            <a:headEnd type="arrow" len="med"/>
+            <a:tailEnd type="arrow" len="med"/>
+          </a:ln>
+        </p:spPr>
+        <p:style>
+          <a:lnRef idx="1">
+            <a:schemeClr val="accent1">
+              <a:shade val="50000"/>
+            </a:schemeClr>
+          </a:lnRef>
+          <a:fillRef idx="0">
+            <a:schemeClr val="accent1"/>
+          </a:fillRef>
+          <a:effectRef idx="0">
+            <a:schemeClr val="accent1"/>
+          </a:effectRef>
+          <a:fontRef idx="minor">
+            <a:schemeClr val="tx1"/>
+          </a:fontRef>
+        </p:style>
+      </p:cxnSp>
+      <p:cxnSp>
+        <p:nvCxnSpPr>
+          <p:cNvPr id="37" name="" hidden="0"/>
+          <p:cNvCxnSpPr>
+            <a:cxnSpLocks/>
+          </p:cNvCxnSpPr>
+          <p:nvPr isPhoto="0" userDrawn="0"/>
+        </p:nvCxnSpPr>
+        <p:spPr bwMode="auto">
+          <a:xfrm rot="5399977" flipH="1" flipV="0">
+            <a:off x="7759960" y="1663711"/>
+            <a:ext cx="249114" cy="14651"/>
+          </a:xfrm>
+          <a:prstGeom prst="line">
+            <a:avLst/>
+          </a:prstGeom>
+          <a:ln w="38099" cap="flat" cmpd="sng" algn="ctr">
+            <a:solidFill>
+              <a:schemeClr val="bg1">
+                <a:lumMod val="74901"/>
+              </a:schemeClr>
+            </a:solidFill>
+            <a:prstDash val="solid"/>
+            <a:miter/>
+            <a:headEnd type="arrow" len="med"/>
+            <a:tailEnd type="arrow" len="med"/>
+          </a:ln>
+        </p:spPr>
+        <p:style>
+          <a:lnRef idx="1">
+            <a:schemeClr val="accent1">
+              <a:shade val="50000"/>
+            </a:schemeClr>
+          </a:lnRef>
+          <a:fillRef idx="0">
+            <a:schemeClr val="accent1"/>
+          </a:fillRef>
+          <a:effectRef idx="0">
+            <a:schemeClr val="accent1"/>
+          </a:effectRef>
+          <a:fontRef idx="minor">
+            <a:schemeClr val="tx1"/>
+          </a:fontRef>
+        </p:style>
+      </p:cxnSp>
+      <p:cxnSp>
+        <p:nvCxnSpPr>
+          <p:cNvPr id="38" name="" hidden="0"/>
+          <p:cNvCxnSpPr>
+            <a:cxnSpLocks/>
+          </p:cNvCxnSpPr>
+          <p:nvPr isPhoto="0" userDrawn="0"/>
+        </p:nvCxnSpPr>
+        <p:spPr bwMode="auto">
+          <a:xfrm rot="5399977" flipH="1" flipV="0">
+            <a:off x="8104326" y="1942134"/>
+            <a:ext cx="219806" cy="410306"/>
+          </a:xfrm>
+          <a:prstGeom prst="line">
+            <a:avLst/>
+          </a:prstGeom>
+          <a:ln w="38099" cap="flat" cmpd="sng" algn="ctr">
+            <a:solidFill>
+              <a:schemeClr val="bg1">
+                <a:lumMod val="74901"/>
+              </a:schemeClr>
+            </a:solidFill>
+            <a:prstDash val="solid"/>
+            <a:miter/>
+            <a:headEnd type="arrow" len="med"/>
+            <a:tailEnd type="arrow" len="med"/>
+          </a:ln>
+        </p:spPr>
+        <p:style>
+          <a:lnRef idx="1">
+            <a:schemeClr val="accent1">
+              <a:shade val="50000"/>
+            </a:schemeClr>
+          </a:lnRef>
+          <a:fillRef idx="0">
+            <a:schemeClr val="accent1"/>
+          </a:fillRef>
+          <a:effectRef idx="0">
+            <a:schemeClr val="accent1"/>
+          </a:effectRef>
+          <a:fontRef idx="minor">
+            <a:schemeClr val="tx1"/>
+          </a:fontRef>
+        </p:style>
+      </p:cxnSp>
+      <p:cxnSp>
+        <p:nvCxnSpPr>
+          <p:cNvPr id="39" name="" hidden="0"/>
+          <p:cNvCxnSpPr>
+            <a:cxnSpLocks/>
+          </p:cNvCxnSpPr>
+          <p:nvPr isPhoto="0" userDrawn="0"/>
+        </p:nvCxnSpPr>
+        <p:spPr bwMode="auto">
+          <a:xfrm rot="5399977" flipH="0" flipV="0">
+            <a:off x="7408269" y="2088672"/>
+            <a:ext cx="329710" cy="373672"/>
+          </a:xfrm>
+          <a:prstGeom prst="line">
+            <a:avLst/>
+          </a:prstGeom>
+          <a:ln w="38099" cap="flat" cmpd="sng" algn="ctr">
+            <a:solidFill>
+              <a:schemeClr val="bg1">
+                <a:lumMod val="74901"/>
+              </a:schemeClr>
+            </a:solidFill>
+            <a:prstDash val="solid"/>
+            <a:miter/>
+            <a:headEnd type="arrow" len="med"/>
+            <a:tailEnd type="arrow" len="med"/>
+          </a:ln>
+        </p:spPr>
+        <p:style>
+          <a:lnRef idx="1">
+            <a:schemeClr val="accent1">
+              <a:shade val="50000"/>
+            </a:schemeClr>
+          </a:lnRef>
+          <a:fillRef idx="0">
+            <a:schemeClr val="accent1"/>
+          </a:fillRef>
+          <a:effectRef idx="0">
+            <a:schemeClr val="accent1"/>
+          </a:effectRef>
+          <a:fontRef idx="minor">
+            <a:schemeClr val="tx1"/>
+          </a:fontRef>
+        </p:style>
+      </p:cxnSp>
+      <p:sp>
+        <p:nvSpPr>
+          <p:cNvPr id="40" name="" hidden="0"/>
+          <p:cNvSpPr/>
+          <p:nvPr isPhoto="0" userDrawn="0"/>
+        </p:nvSpPr>
+        <p:spPr bwMode="auto">
+          <a:xfrm rot="2548881" flipH="0" flipV="0">
+            <a:off x="7733820" y="1832321"/>
+            <a:ext cx="252697" cy="252697"/>
+          </a:xfrm>
+          <a:prstGeom prst="plus">
+            <a:avLst>
+              <a:gd name="adj" fmla="val 38302"/>
+            </a:avLst>
+          </a:prstGeom>
+          <a:solidFill>
+            <a:schemeClr val="accent2"/>
+          </a:solidFill>
+          <a:ln w="12700" cap="flat" cmpd="sng" algn="ctr">
+            <a:noFill/>
+            <a:prstDash val="solid"/>
+            <a:miter/>
+          </a:ln>
+        </p:spPr>
+        <p:style>
+          <a:lnRef idx="2">
+            <a:schemeClr val="accent1">
+              <a:shade val="50000"/>
+            </a:schemeClr>
+          </a:lnRef>
+          <a:fillRef idx="1">
+            <a:schemeClr val="accent1"/>
+          </a:fillRef>
+          <a:effectRef idx="0">
+            <a:schemeClr val="accent1"/>
+          </a:effectRef>
+          <a:fontRef idx="minor">
+            <a:schemeClr val="lt1"/>
+          </a:fontRef>
+        </p:style>
+      </p:sp>
+      <p:sp>
+        <p:nvSpPr>
+          <p:cNvPr id="41" name="" hidden="0"/>
+          <p:cNvSpPr/>
+          <p:nvPr isPhoto="0" userDrawn="0"/>
+        </p:nvSpPr>
+        <p:spPr bwMode="auto">
+          <a:xfrm flipH="0" flipV="0">
+            <a:off x="5444043" y="1699955"/>
+            <a:ext cx="586763" cy="462376"/>
+          </a:xfrm>
+          <a:prstGeom prst="rect">
+            <a:avLst/>
+          </a:prstGeom>
+          <a:noFill/>
+        </p:spPr>
+        <p:txBody>
+          <a:bodyPr vertOverflow="overflow" horzOverflow="clip" vert="horz" wrap="square" lIns="91440" tIns="45720" rIns="91440" bIns="45720" numCol="1" spcCol="0" rtlCol="0" fromWordArt="0" anchor="ctr" anchorCtr="0" forceAA="0" upright="0" compatLnSpc="0">
+            <a:noAutofit/>
+          </a:bodyPr>
+          <a:p>
+            <a:pPr algn="ctr">
+              <a:defRPr/>
+            </a:pPr>
+            <a:r>
+              <a:rPr sz="2200" b="1">
+                <a:solidFill>
+                  <a:schemeClr val="bg1">
+                    <a:lumMod val="75000"/>
+                  </a:schemeClr>
+                </a:solidFill>
+                <a:latin typeface="Poppins"/>
+                <a:ea typeface="Poppins"/>
+                <a:cs typeface="Poppins"/>
+              </a:rPr>
+              <a:t>2 x</a:t>
+            </a:r>
+            <a:endParaRPr sz="2200" b="1">
+              <a:solidFill>
+                <a:schemeClr val="bg1">
+                  <a:lumMod val="75000"/>
+                </a:schemeClr>
+              </a:solidFill>
+              <a:latin typeface="Poppins"/>
+              <a:ea typeface="Poppins"/>
+              <a:cs typeface="Poppins"/>
+            </a:endParaRPr>
+          </a:p>
+        </p:txBody>
+      </p:sp>
+    </p:spTree>
+  </p:cSld>
+  <p:clrMapOvr>
+    <a:masterClrMapping/>
+  </p:clrMapOvr>
+  <mc:AlternateContent xmlns:mc="http://schemas.openxmlformats.org/markup-compatibility/2006">
+    <mc:Choice xmlns:p14="http://schemas.microsoft.com/office/powerpoint/2010/main" Requires="p14">
+      <p:transition p14:dur="2000" advClick="1"/>
+    </mc:Choice>
+    <mc:Fallback>
+      <p:transition advClick="1"/>
+    </mc:Fallback>
+  </mc:AlternateContent>
+</p:sld>
+</file>
+
+<file path=ppt/slides/slide8.xml><?xml version="1.0" encoding="utf-8"?>
+<p:sld xmlns:a="http://schemas.openxmlformats.org/drawingml/2006/main" xmlns:r="http://schemas.openxmlformats.org/officeDocument/2006/relationships" xmlns:p="http://schemas.openxmlformats.org/presentationml/2006/main" xmlns:m="http://schemas.openxmlformats.org/officeDocument/2006/math" xmlns:w="http://schemas.openxmlformats.org/wordprocessingml/2006/main" showMasterPhAnim="0" show="1">
+  <p:cSld name="">
+    <p:bg>
+      <p:bgPr shadeToTitle="0">
+        <a:solidFill>
+          <a:srgbClr val="282A36"/>
+        </a:solidFill>
+      </p:bgPr>
+    </p:bg>
+    <p:spTree>
+      <p:nvGrpSpPr>
+        <p:cNvPr id="1" name="" hidden="0"/>
+        <p:cNvGrpSpPr/>
+        <p:nvPr isPhoto="0" userDrawn="0"/>
+      </p:nvGrpSpPr>
+      <p:grpSpPr bwMode="auto">
+        <a:xfrm>
+          <a:off x="0" y="0"/>
+          <a:ext cx="0" cy="0"/>
+          <a:chOff x="0" y="0"/>
+          <a:chExt cx="0" cy="0"/>
+        </a:xfrm>
+      </p:grpSpPr>
+      <p:cxnSp>
+        <p:nvCxnSpPr>
+          <p:cNvPr id="4" name="" hidden="0"/>
+          <p:cNvCxnSpPr>
+            <a:cxnSpLocks/>
+          </p:cNvCxnSpPr>
+          <p:nvPr isPhoto="0" userDrawn="0"/>
+        </p:nvCxnSpPr>
+        <p:spPr bwMode="auto">
+          <a:xfrm rot="0" flipH="0" flipV="0">
+            <a:off x="1815954" y="1747788"/>
+            <a:ext cx="1440137" cy="286677"/>
+          </a:xfrm>
+          <a:prstGeom prst="line">
+            <a:avLst/>
+          </a:prstGeom>
+          <a:ln w="28575" cap="flat" cmpd="sng" algn="ctr">
+            <a:solidFill>
+              <a:srgbClr val="FFD564"/>
+            </a:solidFill>
+            <a:prstDash val="sysDash"/>
+            <a:miter/>
+          </a:ln>
+        </p:spPr>
+        <p:style>
+          <a:lnRef idx="1">
+            <a:schemeClr val="accent1">
+              <a:shade val="50000"/>
+            </a:schemeClr>
+          </a:lnRef>
+          <a:fillRef idx="0">
+            <a:schemeClr val="accent1"/>
+          </a:fillRef>
+          <a:effectRef idx="0">
+            <a:schemeClr val="accent1"/>
+          </a:effectRef>
+          <a:fontRef idx="minor">
+            <a:schemeClr val="tx1"/>
+          </a:fontRef>
+        </p:style>
+      </p:cxnSp>
+      <p:cxnSp>
+        <p:nvCxnSpPr>
+          <p:cNvPr id="5" name="" hidden="0"/>
+          <p:cNvCxnSpPr>
+            <a:cxnSpLocks/>
+          </p:cNvCxnSpPr>
+          <p:nvPr isPhoto="0" userDrawn="0"/>
+        </p:nvCxnSpPr>
+        <p:spPr bwMode="auto">
+          <a:xfrm rot="0" flipH="0" flipV="0">
+            <a:off x="3200606" y="1192936"/>
+            <a:ext cx="55485" cy="841528"/>
+          </a:xfrm>
+          <a:prstGeom prst="line">
+            <a:avLst/>
+          </a:prstGeom>
+          <a:ln w="28575" cap="flat" cmpd="sng" algn="ctr">
+            <a:solidFill>
+              <a:srgbClr val="FFD564"/>
+            </a:solidFill>
+            <a:prstDash val="sysDash"/>
+            <a:miter/>
+          </a:ln>
+        </p:spPr>
+        <p:style>
+          <a:lnRef idx="1">
+            <a:schemeClr val="accent1">
+              <a:shade val="50000"/>
+            </a:schemeClr>
+          </a:lnRef>
+          <a:fillRef idx="0">
+            <a:schemeClr val="accent1"/>
+          </a:fillRef>
+          <a:effectRef idx="0">
+            <a:schemeClr val="accent1"/>
+          </a:effectRef>
+          <a:fontRef idx="minor">
+            <a:schemeClr val="tx1"/>
+          </a:fontRef>
+        </p:style>
+      </p:cxnSp>
+      <p:cxnSp>
+        <p:nvCxnSpPr>
+          <p:cNvPr id="6" name="" hidden="0"/>
+          <p:cNvCxnSpPr>
+            <a:cxnSpLocks/>
+          </p:cNvCxnSpPr>
+          <p:nvPr isPhoto="0" userDrawn="0"/>
+        </p:nvCxnSpPr>
+        <p:spPr bwMode="auto">
+          <a:xfrm rot="0" flipH="1" flipV="1">
+            <a:off x="3256090" y="2034463"/>
+            <a:ext cx="406894" cy="379152"/>
+          </a:xfrm>
+          <a:prstGeom prst="line">
+            <a:avLst/>
+          </a:prstGeom>
+          <a:ln w="28575" cap="flat" cmpd="sng" algn="ctr">
+            <a:solidFill>
+              <a:srgbClr val="FFD564"/>
+            </a:solidFill>
+            <a:prstDash val="sysDash"/>
+            <a:miter/>
+          </a:ln>
+        </p:spPr>
+        <p:style>
+          <a:lnRef idx="1">
+            <a:schemeClr val="accent1">
+              <a:shade val="50000"/>
+            </a:schemeClr>
+          </a:lnRef>
+          <a:fillRef idx="0">
+            <a:schemeClr val="accent1"/>
+          </a:fillRef>
+          <a:effectRef idx="0">
+            <a:schemeClr val="accent1"/>
+          </a:effectRef>
+          <a:fontRef idx="minor">
+            <a:schemeClr val="tx1"/>
+          </a:fontRef>
+        </p:style>
+      </p:cxnSp>
+      <p:cxnSp>
+        <p:nvCxnSpPr>
+          <p:cNvPr id="7" name="" hidden="0"/>
+          <p:cNvCxnSpPr>
+            <a:cxnSpLocks/>
+          </p:cNvCxnSpPr>
+          <p:nvPr isPhoto="0" userDrawn="0"/>
+        </p:nvCxnSpPr>
+        <p:spPr bwMode="auto">
+          <a:xfrm rot="0" flipH="0" flipV="1">
+            <a:off x="2886189" y="2034463"/>
+            <a:ext cx="369901" cy="647331"/>
+          </a:xfrm>
+          <a:prstGeom prst="line">
+            <a:avLst/>
+          </a:prstGeom>
+          <a:ln w="28575" cap="flat" cmpd="sng" algn="ctr">
+            <a:solidFill>
+              <a:srgbClr val="FFD564"/>
+            </a:solidFill>
+            <a:prstDash val="sysDash"/>
+            <a:miter/>
+          </a:ln>
+        </p:spPr>
+        <p:style>
+          <a:lnRef idx="1">
+            <a:schemeClr val="accent1">
+              <a:shade val="50000"/>
+            </a:schemeClr>
+          </a:lnRef>
+          <a:fillRef idx="0">
+            <a:schemeClr val="accent1"/>
+          </a:fillRef>
+          <a:effectRef idx="0">
+            <a:schemeClr val="accent1"/>
+          </a:effectRef>
+          <a:fontRef idx="minor">
+            <a:schemeClr val="tx1"/>
+          </a:fontRef>
+        </p:style>
+      </p:cxnSp>
+      <p:cxnSp>
+        <p:nvCxnSpPr>
+          <p:cNvPr id="8" name="" hidden="0"/>
+          <p:cNvCxnSpPr>
+            <a:cxnSpLocks/>
+          </p:cNvCxnSpPr>
+          <p:nvPr isPhoto="0" userDrawn="0"/>
+        </p:nvCxnSpPr>
+        <p:spPr bwMode="auto">
+          <a:xfrm rot="0" flipH="0" flipV="1">
+            <a:off x="2016917" y="2034463"/>
+            <a:ext cx="1239172" cy="379152"/>
+          </a:xfrm>
+          <a:prstGeom prst="line">
+            <a:avLst/>
+          </a:prstGeom>
+          <a:ln w="28575" cap="flat" cmpd="sng" algn="ctr">
+            <a:solidFill>
+              <a:srgbClr val="FFD564"/>
+            </a:solidFill>
+            <a:prstDash val="sysDash"/>
+            <a:miter/>
+          </a:ln>
+        </p:spPr>
+        <p:style>
+          <a:lnRef idx="1">
+            <a:schemeClr val="accent1">
+              <a:shade val="50000"/>
+            </a:schemeClr>
+          </a:lnRef>
+          <a:fillRef idx="0">
+            <a:schemeClr val="accent1"/>
+          </a:fillRef>
+          <a:effectRef idx="0">
+            <a:schemeClr val="accent1"/>
+          </a:effectRef>
+          <a:fontRef idx="minor">
+            <a:schemeClr val="tx1"/>
+          </a:fontRef>
+        </p:style>
+      </p:cxnSp>
+      <p:cxnSp>
+        <p:nvCxnSpPr>
+          <p:cNvPr id="9" name="" hidden="0"/>
+          <p:cNvCxnSpPr>
+            <a:cxnSpLocks/>
+          </p:cNvCxnSpPr>
+          <p:nvPr isPhoto="0" userDrawn="0"/>
+        </p:nvCxnSpPr>
+        <p:spPr bwMode="auto">
+          <a:xfrm rot="0" flipH="1" flipV="0">
+            <a:off x="3256090" y="1331650"/>
+            <a:ext cx="2811263" cy="702813"/>
+          </a:xfrm>
+          <a:prstGeom prst="line">
+            <a:avLst/>
+          </a:prstGeom>
+          <a:ln w="28575" cap="flat" cmpd="sng" algn="ctr">
+            <a:solidFill>
+              <a:schemeClr val="accent6"/>
+            </a:solidFill>
+            <a:prstDash val="sysDash"/>
+            <a:miter/>
+          </a:ln>
+        </p:spPr>
+        <p:style>
+          <a:lnRef idx="1">
+            <a:schemeClr val="accent1">
+              <a:shade val="50000"/>
+            </a:schemeClr>
+          </a:lnRef>
+          <a:fillRef idx="0">
+            <a:schemeClr val="accent1"/>
+          </a:fillRef>
+          <a:effectRef idx="0">
+            <a:schemeClr val="accent1"/>
+          </a:effectRef>
+          <a:fontRef idx="minor">
+            <a:schemeClr val="tx1"/>
+          </a:fontRef>
+        </p:style>
+      </p:cxnSp>
+      <p:cxnSp>
+        <p:nvCxnSpPr>
+          <p:cNvPr id="10" name="" hidden="0"/>
+          <p:cNvCxnSpPr>
+            <a:cxnSpLocks/>
+          </p:cNvCxnSpPr>
+          <p:nvPr isPhoto="0" userDrawn="0"/>
+        </p:nvCxnSpPr>
+        <p:spPr bwMode="auto">
+          <a:xfrm rot="0" flipH="1" flipV="0">
+            <a:off x="3256090" y="1849514"/>
+            <a:ext cx="1498107" cy="184948"/>
+          </a:xfrm>
+          <a:prstGeom prst="line">
+            <a:avLst/>
+          </a:prstGeom>
+          <a:ln w="28575" cap="flat" cmpd="sng" algn="ctr">
+            <a:solidFill>
+              <a:schemeClr val="accent6"/>
+            </a:solidFill>
+            <a:prstDash val="sysDash"/>
+            <a:miter/>
+          </a:ln>
+        </p:spPr>
+        <p:style>
+          <a:lnRef idx="1">
+            <a:schemeClr val="accent1">
+              <a:shade val="50000"/>
+            </a:schemeClr>
+          </a:lnRef>
+          <a:fillRef idx="0">
+            <a:schemeClr val="accent1"/>
+          </a:fillRef>
+          <a:effectRef idx="0">
+            <a:schemeClr val="accent1"/>
+          </a:effectRef>
+          <a:fontRef idx="minor">
+            <a:schemeClr val="tx1"/>
+          </a:fontRef>
+        </p:style>
+      </p:cxnSp>
+      <p:cxnSp>
+        <p:nvCxnSpPr>
+          <p:cNvPr id="11" name="" hidden="0"/>
+          <p:cNvCxnSpPr>
+            <a:cxnSpLocks/>
+          </p:cNvCxnSpPr>
+          <p:nvPr isPhoto="0" userDrawn="0"/>
+        </p:nvCxnSpPr>
+        <p:spPr bwMode="auto">
+          <a:xfrm rot="0" flipH="1" flipV="1">
+            <a:off x="3256090" y="2034461"/>
+            <a:ext cx="2293399" cy="517867"/>
+          </a:xfrm>
+          <a:prstGeom prst="line">
+            <a:avLst/>
+          </a:prstGeom>
+          <a:ln w="28575" cap="flat" cmpd="sng" algn="ctr">
+            <a:solidFill>
+              <a:schemeClr val="accent6"/>
+            </a:solidFill>
+            <a:prstDash val="sysDash"/>
+            <a:miter/>
+          </a:ln>
+        </p:spPr>
+        <p:style>
+          <a:lnRef idx="1">
+            <a:schemeClr val="accent1">
+              <a:shade val="50000"/>
+            </a:schemeClr>
+          </a:lnRef>
+          <a:fillRef idx="0">
+            <a:schemeClr val="accent1"/>
+          </a:fillRef>
+          <a:effectRef idx="0">
+            <a:schemeClr val="accent1"/>
+          </a:effectRef>
+          <a:fontRef idx="minor">
+            <a:schemeClr val="tx1"/>
+          </a:fontRef>
+        </p:style>
+      </p:cxnSp>
+      <p:cxnSp>
+        <p:nvCxnSpPr>
+          <p:cNvPr id="12" name="" hidden="0"/>
+          <p:cNvCxnSpPr>
+            <a:cxnSpLocks/>
+          </p:cNvCxnSpPr>
+          <p:nvPr isPhoto="0" userDrawn="0"/>
+        </p:nvCxnSpPr>
+        <p:spPr bwMode="auto">
+          <a:xfrm rot="0" flipH="1" flipV="1">
+            <a:off x="3256090" y="2034461"/>
+            <a:ext cx="3588059" cy="277431"/>
+          </a:xfrm>
+          <a:prstGeom prst="line">
+            <a:avLst/>
+          </a:prstGeom>
+          <a:ln w="28575" cap="flat" cmpd="sng" algn="ctr">
+            <a:solidFill>
+              <a:schemeClr val="accent6"/>
+            </a:solidFill>
+            <a:prstDash val="sysDash"/>
+            <a:miter/>
+          </a:ln>
+        </p:spPr>
+        <p:style>
+          <a:lnRef idx="1">
+            <a:schemeClr val="accent1">
+              <a:shade val="50000"/>
+            </a:schemeClr>
+          </a:lnRef>
+          <a:fillRef idx="0">
+            <a:schemeClr val="accent1"/>
+          </a:fillRef>
+          <a:effectRef idx="0">
+            <a:schemeClr val="accent1"/>
+          </a:effectRef>
+          <a:fontRef idx="minor">
+            <a:schemeClr val="tx1"/>
+          </a:fontRef>
+        </p:style>
+      </p:cxnSp>
+      <p:sp>
+        <p:nvSpPr>
+          <p:cNvPr id="13" name="" hidden="0"/>
+          <p:cNvSpPr/>
+          <p:nvPr isPhoto="0" userDrawn="0"/>
+        </p:nvSpPr>
+        <p:spPr bwMode="auto">
+          <a:xfrm flipH="0" flipV="0">
+            <a:off x="1441431" y="934003"/>
+            <a:ext cx="2700289" cy="1997473"/>
+          </a:xfrm>
+          <a:prstGeom prst="ellipse">
+            <a:avLst/>
+          </a:prstGeom>
+          <a:noFill/>
+          <a:ln w="38099" cap="flat" cmpd="sng" algn="ctr">
+            <a:solidFill>
+              <a:srgbClr val="43739E"/>
+            </a:solidFill>
+            <a:prstDash val="dash"/>
+            <a:miter/>
+          </a:ln>
+        </p:spPr>
+        <p:style>
+          <a:lnRef idx="2">
+            <a:schemeClr val="accent1">
+              <a:shade val="50000"/>
+            </a:schemeClr>
+          </a:lnRef>
+          <a:fillRef idx="1">
+            <a:schemeClr val="accent1"/>
+          </a:fillRef>
+          <a:effectRef idx="0">
+            <a:schemeClr val="accent1"/>
+          </a:effectRef>
+          <a:fontRef idx="minor">
+            <a:schemeClr val="lt1"/>
+          </a:fontRef>
+        </p:style>
+      </p:sp>
+      <p:sp>
+        <p:nvSpPr>
+          <p:cNvPr id="14" name="" hidden="0"/>
+          <p:cNvSpPr/>
+          <p:nvPr isPhoto="0" userDrawn="0"/>
+        </p:nvSpPr>
+        <p:spPr bwMode="auto">
+          <a:xfrm flipH="0" flipV="0">
+            <a:off x="1700361" y="1632195"/>
+            <a:ext cx="231187" cy="231187"/>
+          </a:xfrm>
+          <a:prstGeom prst="ellipse">
+            <a:avLst/>
+          </a:prstGeom>
+          <a:solidFill>
+            <a:schemeClr val="bg1">
+              <a:lumMod val="75000"/>
+            </a:schemeClr>
+          </a:solidFill>
+          <a:ln w="12700" cap="flat" cmpd="sng" algn="ctr">
+            <a:noFill/>
+            <a:prstDash val="solid"/>
+            <a:miter/>
+          </a:ln>
+        </p:spPr>
+        <p:style>
+          <a:lnRef idx="2">
+            <a:schemeClr val="accent1">
+              <a:shade val="50000"/>
+            </a:schemeClr>
+          </a:lnRef>
+          <a:fillRef idx="1">
+            <a:schemeClr val="accent1"/>
+          </a:fillRef>
+          <a:effectRef idx="0">
+            <a:schemeClr val="accent1"/>
+          </a:effectRef>
+          <a:fontRef idx="minor">
+            <a:schemeClr val="lt1"/>
+          </a:fontRef>
+        </p:style>
+      </p:sp>
+      <p:sp>
+        <p:nvSpPr>
+          <p:cNvPr id="15" name="" hidden="0"/>
+          <p:cNvSpPr/>
+          <p:nvPr isPhoto="0" userDrawn="0"/>
+        </p:nvSpPr>
+        <p:spPr bwMode="auto">
+          <a:xfrm flipH="0" flipV="0">
+            <a:off x="1931548" y="2275507"/>
+            <a:ext cx="231187" cy="231187"/>
+          </a:xfrm>
+          <a:prstGeom prst="ellipse">
+            <a:avLst/>
+          </a:prstGeom>
+          <a:solidFill>
+            <a:schemeClr val="bg1">
+              <a:lumMod val="75000"/>
+            </a:schemeClr>
+          </a:solidFill>
+          <a:ln w="12700" cap="flat" cmpd="sng" algn="ctr">
+            <a:noFill/>
+            <a:prstDash val="solid"/>
+            <a:miter/>
+          </a:ln>
+        </p:spPr>
+        <p:style>
+          <a:lnRef idx="2">
+            <a:schemeClr val="accent1">
+              <a:shade val="50000"/>
+            </a:schemeClr>
+          </a:lnRef>
+          <a:fillRef idx="1">
+            <a:schemeClr val="accent1"/>
+          </a:fillRef>
+          <a:effectRef idx="0">
+            <a:schemeClr val="accent1"/>
+          </a:effectRef>
+          <a:fontRef idx="minor">
+            <a:schemeClr val="lt1"/>
+          </a:fontRef>
+        </p:style>
+      </p:sp>
+      <p:sp>
+        <p:nvSpPr>
+          <p:cNvPr id="16" name="" hidden="0"/>
+          <p:cNvSpPr/>
+          <p:nvPr isPhoto="0" userDrawn="0"/>
+        </p:nvSpPr>
+        <p:spPr bwMode="auto">
+          <a:xfrm flipH="0" flipV="0">
+            <a:off x="3559123" y="2316513"/>
+            <a:ext cx="231187" cy="231187"/>
+          </a:xfrm>
+          <a:prstGeom prst="ellipse">
+            <a:avLst/>
+          </a:prstGeom>
+          <a:solidFill>
+            <a:schemeClr val="bg1">
+              <a:lumMod val="75000"/>
+            </a:schemeClr>
+          </a:solidFill>
+          <a:ln w="12700" cap="flat" cmpd="sng" algn="ctr">
+            <a:noFill/>
+            <a:prstDash val="solid"/>
+            <a:miter/>
+          </a:ln>
+        </p:spPr>
+        <p:style>
+          <a:lnRef idx="2">
+            <a:schemeClr val="accent1">
+              <a:shade val="50000"/>
+            </a:schemeClr>
+          </a:lnRef>
+          <a:fillRef idx="1">
+            <a:schemeClr val="accent1"/>
+          </a:fillRef>
+          <a:effectRef idx="0">
+            <a:schemeClr val="accent1"/>
+          </a:effectRef>
+          <a:fontRef idx="minor">
+            <a:schemeClr val="lt1"/>
+          </a:fontRef>
+        </p:style>
+      </p:sp>
+      <p:sp>
+        <p:nvSpPr>
+          <p:cNvPr id="17" name="" hidden="0"/>
+          <p:cNvSpPr/>
+          <p:nvPr isPhoto="0" userDrawn="0"/>
+        </p:nvSpPr>
+        <p:spPr bwMode="auto">
+          <a:xfrm flipH="0" flipV="0">
+            <a:off x="3069002" y="1091211"/>
+            <a:ext cx="231187" cy="231187"/>
+          </a:xfrm>
+          <a:prstGeom prst="ellipse">
+            <a:avLst/>
+          </a:prstGeom>
+          <a:solidFill>
+            <a:schemeClr val="bg1">
+              <a:lumMod val="75000"/>
+            </a:schemeClr>
+          </a:solidFill>
+          <a:ln w="12700" cap="flat" cmpd="sng" algn="ctr">
+            <a:noFill/>
+            <a:prstDash val="solid"/>
+            <a:miter/>
+          </a:ln>
+        </p:spPr>
+        <p:style>
+          <a:lnRef idx="2">
+            <a:schemeClr val="accent1">
+              <a:shade val="50000"/>
+            </a:schemeClr>
+          </a:lnRef>
+          <a:fillRef idx="1">
+            <a:schemeClr val="accent1"/>
+          </a:fillRef>
+          <a:effectRef idx="0">
+            <a:schemeClr val="accent1"/>
+          </a:effectRef>
+          <a:fontRef idx="minor">
+            <a:schemeClr val="lt1"/>
+          </a:fontRef>
+        </p:style>
+      </p:sp>
+      <p:sp>
+        <p:nvSpPr>
+          <p:cNvPr id="18" name="" hidden="0"/>
+          <p:cNvSpPr/>
+          <p:nvPr isPhoto="0" userDrawn="0"/>
+        </p:nvSpPr>
+        <p:spPr bwMode="auto">
+          <a:xfrm flipH="0" flipV="0">
+            <a:off x="2791575" y="2547703"/>
+            <a:ext cx="231187" cy="231187"/>
+          </a:xfrm>
+          <a:prstGeom prst="ellipse">
+            <a:avLst/>
+          </a:prstGeom>
+          <a:solidFill>
+            <a:schemeClr val="bg1">
+              <a:lumMod val="75000"/>
+            </a:schemeClr>
+          </a:solidFill>
+          <a:ln w="12700" cap="flat" cmpd="sng" algn="ctr">
+            <a:noFill/>
+            <a:prstDash val="solid"/>
+            <a:miter/>
+          </a:ln>
+        </p:spPr>
+        <p:style>
+          <a:lnRef idx="2">
+            <a:schemeClr val="accent1">
+              <a:shade val="50000"/>
+            </a:schemeClr>
+          </a:lnRef>
+          <a:fillRef idx="1">
+            <a:schemeClr val="accent1"/>
+          </a:fillRef>
+          <a:effectRef idx="0">
+            <a:schemeClr val="accent1"/>
+          </a:effectRef>
+          <a:fontRef idx="minor">
+            <a:schemeClr val="lt1"/>
+          </a:fontRef>
+        </p:style>
+      </p:sp>
+      <p:sp>
+        <p:nvSpPr>
+          <p:cNvPr id="19" name="" hidden="0"/>
+          <p:cNvSpPr/>
+          <p:nvPr isPhoto="0" userDrawn="0"/>
+        </p:nvSpPr>
+        <p:spPr bwMode="auto">
+          <a:xfrm flipH="0" flipV="0">
+            <a:off x="4373838" y="1049597"/>
+            <a:ext cx="2700289" cy="1997473"/>
+          </a:xfrm>
+          <a:prstGeom prst="ellipse">
+            <a:avLst/>
+          </a:prstGeom>
+          <a:noFill/>
+          <a:ln w="38099" cap="flat" cmpd="sng" algn="ctr">
+            <a:solidFill>
+              <a:srgbClr val="43739E"/>
+            </a:solidFill>
+            <a:prstDash val="dash"/>
+            <a:miter/>
+          </a:ln>
+        </p:spPr>
+        <p:style>
+          <a:lnRef idx="2">
+            <a:schemeClr val="accent1">
+              <a:shade val="50000"/>
+            </a:schemeClr>
+          </a:lnRef>
+          <a:fillRef idx="1">
+            <a:schemeClr val="accent1"/>
+          </a:fillRef>
+          <a:effectRef idx="0">
+            <a:schemeClr val="accent1"/>
+          </a:effectRef>
+          <a:fontRef idx="minor">
+            <a:schemeClr val="lt1"/>
+          </a:fontRef>
+        </p:style>
+      </p:sp>
+      <p:sp>
+        <p:nvSpPr>
+          <p:cNvPr id="20" name="" hidden="0"/>
+          <p:cNvSpPr/>
+          <p:nvPr isPhoto="0" userDrawn="0"/>
+        </p:nvSpPr>
+        <p:spPr bwMode="auto">
+          <a:xfrm flipH="0" flipV="0">
+            <a:off x="4632768" y="1747788"/>
+            <a:ext cx="231187" cy="231187"/>
+          </a:xfrm>
+          <a:prstGeom prst="ellipse">
+            <a:avLst/>
+          </a:prstGeom>
+          <a:solidFill>
+            <a:schemeClr val="bg1">
+              <a:lumMod val="75000"/>
+            </a:schemeClr>
+          </a:solidFill>
+          <a:ln w="12700" cap="flat" cmpd="sng" algn="ctr">
+            <a:noFill/>
+            <a:prstDash val="solid"/>
+            <a:miter/>
+          </a:ln>
+        </p:spPr>
+        <p:style>
+          <a:lnRef idx="2">
+            <a:schemeClr val="accent1">
+              <a:shade val="50000"/>
+            </a:schemeClr>
+          </a:lnRef>
+          <a:fillRef idx="1">
+            <a:schemeClr val="accent1"/>
+          </a:fillRef>
+          <a:effectRef idx="0">
+            <a:schemeClr val="accent1"/>
+          </a:effectRef>
+          <a:fontRef idx="minor">
+            <a:schemeClr val="lt1"/>
+          </a:fontRef>
+        </p:style>
+      </p:sp>
+      <p:sp>
+        <p:nvSpPr>
+          <p:cNvPr id="21" name="" hidden="0"/>
+          <p:cNvSpPr/>
+          <p:nvPr isPhoto="0" userDrawn="0"/>
+        </p:nvSpPr>
+        <p:spPr bwMode="auto">
+          <a:xfrm flipH="0" flipV="0">
+            <a:off x="5409563" y="2432109"/>
+            <a:ext cx="231187" cy="231187"/>
+          </a:xfrm>
+          <a:prstGeom prst="ellipse">
+            <a:avLst/>
+          </a:prstGeom>
+          <a:solidFill>
+            <a:schemeClr val="bg1">
+              <a:lumMod val="75000"/>
+            </a:schemeClr>
+          </a:solidFill>
+          <a:ln w="12700" cap="flat" cmpd="sng" algn="ctr">
+            <a:noFill/>
+            <a:prstDash val="solid"/>
+            <a:miter/>
+          </a:ln>
+        </p:spPr>
+        <p:style>
+          <a:lnRef idx="2">
+            <a:schemeClr val="accent1">
+              <a:shade val="50000"/>
+            </a:schemeClr>
+          </a:lnRef>
+          <a:fillRef idx="1">
+            <a:schemeClr val="accent1"/>
+          </a:fillRef>
+          <a:effectRef idx="0">
+            <a:schemeClr val="accent1"/>
+          </a:effectRef>
+          <a:fontRef idx="minor">
+            <a:schemeClr val="lt1"/>
+          </a:fontRef>
+        </p:style>
+      </p:sp>
+      <p:sp>
+        <p:nvSpPr>
+          <p:cNvPr id="22" name="" hidden="0"/>
+          <p:cNvSpPr/>
+          <p:nvPr isPhoto="0" userDrawn="0"/>
+        </p:nvSpPr>
+        <p:spPr bwMode="auto">
+          <a:xfrm flipH="0" flipV="0">
+            <a:off x="6722718" y="2200919"/>
+            <a:ext cx="231187" cy="231187"/>
+          </a:xfrm>
+          <a:prstGeom prst="ellipse">
+            <a:avLst/>
+          </a:prstGeom>
+          <a:solidFill>
+            <a:schemeClr val="bg1">
+              <a:lumMod val="75000"/>
+            </a:schemeClr>
+          </a:solidFill>
+          <a:ln w="12700" cap="flat" cmpd="sng" algn="ctr">
+            <a:noFill/>
+            <a:prstDash val="solid"/>
+            <a:miter/>
+          </a:ln>
+        </p:spPr>
+        <p:style>
+          <a:lnRef idx="2">
+            <a:schemeClr val="accent1">
+              <a:shade val="50000"/>
+            </a:schemeClr>
+          </a:lnRef>
+          <a:fillRef idx="1">
+            <a:schemeClr val="accent1"/>
+          </a:fillRef>
+          <a:effectRef idx="0">
+            <a:schemeClr val="accent1"/>
+          </a:effectRef>
+          <a:fontRef idx="minor">
+            <a:schemeClr val="lt1"/>
+          </a:fontRef>
+        </p:style>
+      </p:sp>
+      <p:sp>
+        <p:nvSpPr>
+          <p:cNvPr id="23" name="" hidden="0"/>
+          <p:cNvSpPr/>
+          <p:nvPr isPhoto="0" userDrawn="0"/>
+        </p:nvSpPr>
+        <p:spPr bwMode="auto">
+          <a:xfrm flipH="0" flipV="0">
+            <a:off x="6001408" y="1206805"/>
+            <a:ext cx="231187" cy="231187"/>
+          </a:xfrm>
+          <a:prstGeom prst="ellipse">
+            <a:avLst/>
+          </a:prstGeom>
+          <a:solidFill>
+            <a:schemeClr val="bg1">
+              <a:lumMod val="75000"/>
+            </a:schemeClr>
+          </a:solidFill>
+          <a:ln w="12700" cap="flat" cmpd="sng" algn="ctr">
+            <a:noFill/>
+            <a:prstDash val="solid"/>
+            <a:miter/>
+          </a:ln>
+        </p:spPr>
+        <p:style>
+          <a:lnRef idx="2">
+            <a:schemeClr val="accent1">
+              <a:shade val="50000"/>
+            </a:schemeClr>
+          </a:lnRef>
+          <a:fillRef idx="1">
+            <a:schemeClr val="accent1"/>
+          </a:fillRef>
+          <a:effectRef idx="0">
+            <a:schemeClr val="accent1"/>
+          </a:effectRef>
+          <a:fontRef idx="minor">
+            <a:schemeClr val="lt1"/>
+          </a:fontRef>
+        </p:style>
+      </p:sp>
+      <p:sp>
+        <p:nvSpPr>
+          <p:cNvPr id="24" name="" hidden="0"/>
+          <p:cNvSpPr/>
+          <p:nvPr isPhoto="0" userDrawn="0"/>
+        </p:nvSpPr>
+        <p:spPr bwMode="auto">
+          <a:xfrm rot="2548848" flipH="0" flipV="0">
+            <a:off x="3121165" y="1896060"/>
+            <a:ext cx="252696" cy="252696"/>
+          </a:xfrm>
+          <a:prstGeom prst="plus">
+            <a:avLst>
+              <a:gd name="adj" fmla="val 38302"/>
+            </a:avLst>
+          </a:prstGeom>
+          <a:solidFill>
+            <a:schemeClr val="accent2"/>
+          </a:solidFill>
+          <a:ln w="12700" cap="flat" cmpd="sng" algn="ctr">
+            <a:noFill/>
+            <a:prstDash val="solid"/>
+            <a:miter/>
+          </a:ln>
+        </p:spPr>
+        <p:style>
+          <a:lnRef idx="2">
+            <a:schemeClr val="accent1">
+              <a:shade val="50000"/>
+            </a:schemeClr>
+          </a:lnRef>
+          <a:fillRef idx="1">
+            <a:schemeClr val="accent1"/>
+          </a:fillRef>
+          <a:effectRef idx="0">
+            <a:schemeClr val="accent1"/>
+          </a:effectRef>
+          <a:fontRef idx="minor">
+            <a:schemeClr val="lt1"/>
+          </a:fontRef>
+        </p:style>
+      </p:sp>
+      <p:sp>
+        <p:nvSpPr>
+          <p:cNvPr id="25" name="" hidden="0"/>
+          <p:cNvSpPr/>
+          <p:nvPr isPhoto="0" userDrawn="0"/>
+        </p:nvSpPr>
+        <p:spPr bwMode="auto">
+          <a:xfrm flipH="0" flipV="0">
+            <a:off x="2436000" y="1516600"/>
+            <a:ext cx="586762" cy="462375"/>
+          </a:xfrm>
+          <a:prstGeom prst="rect">
+            <a:avLst/>
+          </a:prstGeom>
+          <a:noFill/>
+        </p:spPr>
+        <p:txBody>
+          <a:bodyPr vertOverflow="overflow" horzOverflow="clip" vert="horz" wrap="square" lIns="91440" tIns="45720" rIns="91440" bIns="45720" numCol="1" spcCol="0" rtlCol="0" fromWordArt="0" anchor="ctr" anchorCtr="0" forceAA="0" upright="0" compatLnSpc="0">
+            <a:noAutofit/>
+          </a:bodyPr>
+          <a:p>
+            <a:pPr algn="ctr">
+              <a:defRPr/>
+            </a:pPr>
+            <a:r>
+              <a:rPr sz="2200" b="0">
+                <a:solidFill>
+                  <a:schemeClr val="accent4"/>
+                </a:solidFill>
+                <a:latin typeface="Poppins"/>
+                <a:ea typeface="Poppins"/>
+                <a:cs typeface="Poppins"/>
+              </a:rPr>
+              <a:t>a</a:t>
+            </a:r>
+            <a:endParaRPr sz="2200" b="0">
+              <a:solidFill>
+                <a:schemeClr val="accent4"/>
+              </a:solidFill>
+              <a:latin typeface="Poppins"/>
+              <a:ea typeface="Poppins"/>
+              <a:cs typeface="Poppins"/>
+            </a:endParaRPr>
+          </a:p>
+        </p:txBody>
+      </p:sp>
+      <p:sp>
+        <p:nvSpPr>
+          <p:cNvPr id="26" name="" hidden="0"/>
+          <p:cNvSpPr/>
+          <p:nvPr isPhoto="0" userDrawn="0"/>
+        </p:nvSpPr>
+        <p:spPr bwMode="auto">
+          <a:xfrm flipH="0" flipV="0">
+            <a:off x="4962727" y="1552180"/>
+            <a:ext cx="586762" cy="462375"/>
+          </a:xfrm>
+          <a:prstGeom prst="rect">
+            <a:avLst/>
+          </a:prstGeom>
+          <a:noFill/>
+        </p:spPr>
+        <p:txBody>
+          <a:bodyPr vertOverflow="overflow" horzOverflow="clip" vert="horz" wrap="square" lIns="91440" tIns="45720" rIns="91440" bIns="45720" numCol="1" spcCol="0" rtlCol="0" fromWordArt="0" anchor="ctr" anchorCtr="0" forceAA="0" upright="0" compatLnSpc="0">
+            <a:noAutofit/>
+          </a:bodyPr>
+          <a:p>
+            <a:pPr algn="ctr">
+              <a:defRPr/>
+            </a:pPr>
+            <a:r>
+              <a:rPr sz="2200" b="0">
+                <a:solidFill>
+                  <a:schemeClr val="accent6"/>
+                </a:solidFill>
+                <a:latin typeface="Poppins"/>
+                <a:ea typeface="Poppins"/>
+                <a:cs typeface="Poppins"/>
+              </a:rPr>
+              <a:t>b</a:t>
+            </a:r>
+            <a:endParaRPr sz="2200" b="0">
+              <a:solidFill>
+                <a:schemeClr val="accent6"/>
+              </a:solidFill>
+              <a:latin typeface="Poppins"/>
+              <a:ea typeface="Poppins"/>
+              <a:cs typeface="Poppins"/>
+            </a:endParaRPr>
+          </a:p>
+        </p:txBody>
+      </p:sp>
+      <p:sp>
+        <p:nvSpPr>
+          <p:cNvPr id="27" name="" hidden="0"/>
+          <p:cNvSpPr/>
+          <p:nvPr isPhoto="0" userDrawn="0"/>
+        </p:nvSpPr>
+        <p:spPr bwMode="auto">
+          <a:xfrm flipH="0" flipV="0">
+            <a:off x="3087954" y="1560032"/>
+            <a:ext cx="586762" cy="462375"/>
+          </a:xfrm>
+          <a:prstGeom prst="rect">
+            <a:avLst/>
+          </a:prstGeom>
+          <a:noFill/>
+        </p:spPr>
+        <p:txBody>
+          <a:bodyPr vertOverflow="overflow" horzOverflow="clip" vert="horz" wrap="square" lIns="91440" tIns="45720" rIns="91440" bIns="45720" numCol="1" spcCol="0" rtlCol="0" fromWordArt="0" anchor="ctr" anchorCtr="0" forceAA="0" upright="0" compatLnSpc="0">
+            <a:noAutofit/>
+          </a:bodyPr>
+          <a:p>
+            <a:pPr algn="ctr">
+              <a:defRPr/>
+            </a:pPr>
+            <a:r>
+              <a:rPr sz="2200" b="0" i="1">
+                <a:solidFill>
+                  <a:schemeClr val="accent2"/>
+                </a:solidFill>
+                <a:latin typeface="Poppins"/>
+                <a:ea typeface="Poppins"/>
+                <a:cs typeface="Poppins"/>
+              </a:rPr>
+              <a:t>i</a:t>
+            </a:r>
+            <a:endParaRPr sz="2200" b="0" i="1">
+              <a:solidFill>
+                <a:schemeClr val="accent2"/>
+              </a:solidFill>
+              <a:latin typeface="Poppins"/>
+              <a:ea typeface="Poppins"/>
+              <a:cs typeface="Poppins"/>
+            </a:endParaRPr>
+          </a:p>
+        </p:txBody>
+      </p:sp>
     </p:spTree>
   </p:cSld>
   <p:clrMapOvr>
